--- a/ppt/Behavior Tree.pptx
+++ b/ppt/Behavior Tree.pptx
@@ -3295,7 +3295,7 @@
         </p:nvSpPr>
         <p:spPr>
           <a:xfrm>
-            <a:off x="6655834" y="1790852"/>
+            <a:off x="8145308" y="1790851"/>
             <a:ext cx="1420891" cy="693233"/>
           </a:xfrm>
           <a:prstGeom prst="rect">
@@ -3372,7 +3372,7 @@
         </p:nvSpPr>
         <p:spPr>
           <a:xfrm>
-            <a:off x="6228026" y="2950297"/>
+            <a:off x="7717500" y="2950296"/>
             <a:ext cx="1538807" cy="693233"/>
           </a:xfrm>
           <a:prstGeom prst="rect">
@@ -3450,7 +3450,7 @@
         </p:nvSpPr>
         <p:spPr>
           <a:xfrm>
-            <a:off x="8076726" y="2950297"/>
+            <a:off x="9566200" y="2950296"/>
             <a:ext cx="1420891" cy="693233"/>
           </a:xfrm>
           <a:prstGeom prst="rect">
@@ -3531,7 +3531,7 @@
         </p:nvCxnSpPr>
         <p:spPr>
           <a:xfrm rot="5400000">
-            <a:off x="6948749" y="2532766"/>
+            <a:off x="8438224" y="2532765"/>
             <a:ext cx="466211" cy="368849"/>
           </a:xfrm>
           <a:prstGeom prst="line">
@@ -3569,7 +3569,7 @@
         </p:nvCxnSpPr>
         <p:spPr>
           <a:xfrm>
-            <a:off x="7366280" y="2484085"/>
+            <a:off x="8855754" y="2484084"/>
             <a:ext cx="1420892" cy="466211"/>
           </a:xfrm>
           <a:prstGeom prst="line">
@@ -3604,7 +3604,7 @@
         </p:nvSpPr>
         <p:spPr>
           <a:xfrm>
-            <a:off x="3174603" y="4243375"/>
+            <a:off x="2940358" y="4066054"/>
             <a:ext cx="1695222" cy="728208"/>
           </a:xfrm>
           <a:prstGeom prst="rect">
@@ -3698,7 +3698,7 @@
         </p:nvSpPr>
         <p:spPr>
           <a:xfrm>
-            <a:off x="3932847" y="5617594"/>
+            <a:off x="3932847" y="5458016"/>
             <a:ext cx="1695222" cy="728208"/>
           </a:xfrm>
           <a:prstGeom prst="rect">
@@ -3795,8 +3795,8 @@
         </p:nvCxnSpPr>
         <p:spPr>
           <a:xfrm rot="10800000" flipV="1">
-            <a:off x="2892439" y="4971584"/>
-            <a:ext cx="1129775" cy="283400"/>
+            <a:off x="2859465" y="4794262"/>
+            <a:ext cx="928503" cy="460722"/>
           </a:xfrm>
           <a:prstGeom prst="line">
             <a:avLst/>
@@ -3833,8 +3833,8 @@
         </p:nvCxnSpPr>
         <p:spPr>
           <a:xfrm>
-            <a:off x="4022214" y="4971584"/>
-            <a:ext cx="758244" cy="646010"/>
+            <a:off x="3787969" y="4794262"/>
+            <a:ext cx="992489" cy="663754"/>
           </a:xfrm>
           <a:prstGeom prst="line">
             <a:avLst/>
@@ -3868,7 +3868,7 @@
         </p:nvSpPr>
         <p:spPr>
           <a:xfrm>
-            <a:off x="1963935" y="5254984"/>
+            <a:off x="1930962" y="5254984"/>
             <a:ext cx="1857007" cy="1453428"/>
           </a:xfrm>
           <a:prstGeom prst="diamond">
@@ -3943,7 +3943,7 @@
         </p:nvSpPr>
         <p:spPr>
           <a:xfrm>
-            <a:off x="6518667" y="4243375"/>
+            <a:off x="6869889" y="4066054"/>
             <a:ext cx="1695223" cy="664942"/>
           </a:xfrm>
           <a:prstGeom prst="rect">
@@ -4037,7 +4037,7 @@
         </p:nvSpPr>
         <p:spPr>
           <a:xfrm>
-            <a:off x="8076726" y="5594894"/>
+            <a:off x="8408697" y="5489649"/>
             <a:ext cx="1695223" cy="664942"/>
           </a:xfrm>
           <a:prstGeom prst="rect">
@@ -4097,7 +4097,7 @@
                   <a:schemeClr val="dk1"/>
                 </a:solidFill>
               </a:rPr>
-              <a:t>“Run From Boy”</a:t>
+              <a:t>“Run away from Boy”</a:t>
             </a:r>
             <a:endParaRPr lang="en-US" altLang="ko-KR" sz="1500">
               <a:solidFill>
@@ -4117,9 +4117,9 @@
           <p:nvPr/>
         </p:nvCxnSpPr>
         <p:spPr>
-          <a:xfrm rot="10800000" flipV="1">
-            <a:off x="6647810" y="4908317"/>
-            <a:ext cx="718469" cy="346667"/>
+          <a:xfrm rot="5400000">
+            <a:off x="7341250" y="4782293"/>
+            <a:ext cx="427547" cy="324953"/>
           </a:xfrm>
           <a:prstGeom prst="line">
             <a:avLst/>
@@ -4156,8 +4156,8 @@
         </p:nvCxnSpPr>
         <p:spPr>
           <a:xfrm>
-            <a:off x="7366279" y="4908317"/>
-            <a:ext cx="1558059" cy="686577"/>
+            <a:off x="7717500" y="4730996"/>
+            <a:ext cx="1538807" cy="758653"/>
           </a:xfrm>
           <a:prstGeom prst="line">
             <a:avLst/>
@@ -4191,7 +4191,7 @@
         </p:nvSpPr>
         <p:spPr>
           <a:xfrm>
-            <a:off x="5719305" y="5254984"/>
+            <a:off x="6464043" y="5158543"/>
             <a:ext cx="1857008" cy="1327155"/>
           </a:xfrm>
           <a:prstGeom prst="diamond">
@@ -4322,12 +4322,20 @@
               <a:defRPr/>
             </a:pPr>
             <a:r>
+              <a:rPr lang="en-US" altLang="ko-KR" sz="1700">
+                <a:solidFill>
+                  <a:schemeClr val="dk1"/>
+                </a:solidFill>
+              </a:rPr>
+              <a:t>Checking</a:t>
+            </a:r>
+            <a:r>
               <a:rPr lang="ko-KR" altLang="en-US" sz="1700">
                 <a:solidFill>
                   <a:schemeClr val="dk1"/>
                 </a:solidFill>
               </a:rPr>
-              <a:t>비교 </a:t>
+              <a:t> </a:t>
             </a:r>
             <a:r>
               <a:rPr lang="en-US" altLang="ko-KR" sz="1700">
@@ -4353,7 +4361,7 @@
         </p:nvSpPr>
         <p:spPr>
           <a:xfrm>
-            <a:off x="3183036" y="1790852"/>
+            <a:off x="2282306" y="1790851"/>
             <a:ext cx="2119030" cy="664942"/>
           </a:xfrm>
           <a:prstGeom prst="rect">
@@ -4408,12 +4416,12 @@
               <a:defRPr/>
             </a:pPr>
             <a:r>
-              <a:rPr lang="ko-KR" altLang="en-US" sz="1700">
+              <a:rPr lang="en-US" altLang="ko-KR" sz="1700">
                 <a:solidFill>
                   <a:schemeClr val="dk1"/>
                 </a:solidFill>
               </a:rPr>
-              <a:t>비교</a:t>
+              <a:t>Checking</a:t>
             </a:r>
             <a:endParaRPr lang="en-US" altLang="ko-KR" sz="1700">
               <a:solidFill>
@@ -4431,7 +4439,7 @@
         </p:nvSpPr>
         <p:spPr>
           <a:xfrm>
-            <a:off x="2075839" y="2702285"/>
+            <a:off x="1175109" y="2702286"/>
             <a:ext cx="1857007" cy="1453428"/>
           </a:xfrm>
           <a:prstGeom prst="diamond">
@@ -4507,7 +4515,7 @@
         </p:nvSpPr>
         <p:spPr>
           <a:xfrm>
-            <a:off x="4035041" y="2978588"/>
+            <a:off x="3810310" y="2764058"/>
             <a:ext cx="2119030" cy="664942"/>
           </a:xfrm>
           <a:prstGeom prst="rect">
@@ -4604,8 +4612,8 @@
         </p:nvCxnSpPr>
         <p:spPr>
           <a:xfrm flipV="1">
-            <a:off x="3004343" y="2455794"/>
-            <a:ext cx="1238207" cy="246491"/>
+            <a:off x="2103612" y="2455793"/>
+            <a:ext cx="1238208" cy="246493"/>
           </a:xfrm>
           <a:prstGeom prst="line">
             <a:avLst/>
@@ -4642,8 +4650,8 @@
         </p:nvCxnSpPr>
         <p:spPr>
           <a:xfrm rot="10800000">
-            <a:off x="4242551" y="2455794"/>
-            <a:ext cx="852005" cy="522794"/>
+            <a:off x="3341821" y="2455793"/>
+            <a:ext cx="1528004" cy="308265"/>
           </a:xfrm>
           <a:prstGeom prst="line">
             <a:avLst/>
@@ -4680,8 +4688,8 @@
         </p:nvCxnSpPr>
         <p:spPr>
           <a:xfrm flipV="1">
-            <a:off x="4022214" y="3643530"/>
-            <a:ext cx="1072342" cy="599844"/>
+            <a:off x="3787969" y="3429000"/>
+            <a:ext cx="1081855" cy="637054"/>
           </a:xfrm>
           <a:prstGeom prst="line">
             <a:avLst/>
@@ -4718,8 +4726,8 @@
         </p:nvCxnSpPr>
         <p:spPr>
           <a:xfrm rot="10800000">
-            <a:off x="5094556" y="3643530"/>
-            <a:ext cx="2271723" cy="599844"/>
+            <a:off x="4869825" y="3429000"/>
+            <a:ext cx="2847675" cy="637054"/>
           </a:xfrm>
           <a:prstGeom prst="line">
             <a:avLst/>
@@ -4756,8 +4764,8 @@
         </p:nvCxnSpPr>
         <p:spPr>
           <a:xfrm flipV="1">
-            <a:off x="4242551" y="1399954"/>
-            <a:ext cx="1686789" cy="390897"/>
+            <a:off x="3341821" y="1399954"/>
+            <a:ext cx="2587519" cy="390897"/>
           </a:xfrm>
           <a:prstGeom prst="line">
             <a:avLst/>
@@ -4795,7 +4803,7 @@
         <p:spPr>
           <a:xfrm>
             <a:off x="5929340" y="1399954"/>
-            <a:ext cx="1436940" cy="390897"/>
+            <a:ext cx="2926414" cy="390897"/>
           </a:xfrm>
           <a:prstGeom prst="line">
             <a:avLst/>

--- a/ppt/Behavior Tree.pptx
+++ b/ppt/Behavior Tree.pptx
@@ -6,6 +6,7 @@
   </p:sldMasterIdLst>
   <p:sldIdLst>
     <p:sldId id="256" r:id="rId2"/>
+    <p:sldId id="258" r:id="rId3"/>
   </p:sldIdLst>
   <p:sldSz cx="12192000" cy="6858000"/>
   <p:notesSz cx="6858000" cy="9144000"/>
@@ -4842,6 +4843,1951 @@
 </p:sld>
 </file>
 
+<file path=ppt/slides/slide2.xml><?xml version="1.0" encoding="utf-8"?>
+<p:sld xmlns:r="http://schemas.openxmlformats.org/officeDocument/2006/relationships" xmlns:c="http://schemas.openxmlformats.org/drawingml/2006/chart" xmlns:a="http://schemas.openxmlformats.org/drawingml/2006/main" xmlns:dgm="http://schemas.openxmlformats.org/drawingml/2006/diagram" xmlns:dsp="http://schemas.microsoft.com/office/drawing/2008/diagram" xmlns:p="http://schemas.openxmlformats.org/presentationml/2006/main">
+  <p:cSld>
+    <p:bg>
+      <p:bgPr shadeToTitle="0">
+        <a:solidFill>
+          <a:srgbClr val="d9d9d9"/>
+        </a:solidFill>
+      </p:bgPr>
+    </p:bg>
+    <p:spTree>
+      <p:nvGrpSpPr>
+        <p:cNvPr id="1" name=""/>
+        <p:cNvGrpSpPr/>
+        <p:nvPr/>
+      </p:nvGrpSpPr>
+      <p:grpSpPr>
+        <a:xfrm>
+          <a:off x="0" y="0"/>
+          <a:ext cx="0" cy="0"/>
+          <a:chOff x="0" y="0"/>
+          <a:chExt cx="0" cy="0"/>
+        </a:xfrm>
+      </p:grpSpPr>
+      <p:sp>
+        <p:nvSpPr>
+          <p:cNvPr id="2" name="제목 1"/>
+          <p:cNvSpPr>
+            <a:spLocks noGrp="1"/>
+          </p:cNvSpPr>
+          <p:nvPr>
+            <p:ph type="ctrTitle" idx="0"/>
+          </p:nvPr>
+        </p:nvSpPr>
+        <p:spPr>
+          <a:xfrm>
+            <a:off x="914401" y="0"/>
+            <a:ext cx="10363198" cy="735012"/>
+          </a:xfrm>
+        </p:spPr>
+        <p:txBody>
+          <a:bodyPr/>
+          <a:p>
+            <a:pPr lvl="0">
+              <a:defRPr/>
+            </a:pPr>
+            <a:r>
+              <a:rPr lang="en-US" altLang="ko-KR" sz="4000"/>
+              <a:t>Behavior Tree</a:t>
+            </a:r>
+            <a:endParaRPr lang="en-US" altLang="ko-KR" sz="4000"/>
+          </a:p>
+        </p:txBody>
+      </p:sp>
+      <p:sp>
+        <p:nvSpPr>
+          <p:cNvPr id="4" name="직사각형 3"/>
+          <p:cNvSpPr/>
+          <p:nvPr/>
+        </p:nvSpPr>
+        <p:spPr>
+          <a:xfrm>
+            <a:off x="8145308" y="1790851"/>
+            <a:ext cx="1420891" cy="693233"/>
+          </a:xfrm>
+          <a:prstGeom prst="rect">
+            <a:avLst/>
+          </a:prstGeom>
+          <a:noFill/>
+          <a:ln>
+            <a:solidFill>
+              <a:schemeClr val="dk1"/>
+            </a:solidFill>
+          </a:ln>
+        </p:spPr>
+        <p:style>
+          <a:lnRef idx="2">
+            <a:schemeClr val="accent1">
+              <a:shade val="20000"/>
+            </a:schemeClr>
+          </a:lnRef>
+          <a:fillRef idx="1">
+            <a:schemeClr val="accent1"/>
+          </a:fillRef>
+          <a:effectRef idx="0">
+            <a:schemeClr val="accent1"/>
+          </a:effectRef>
+          <a:fontRef idx="minor">
+            <a:schemeClr val="lt1"/>
+          </a:fontRef>
+        </p:style>
+        <p:txBody>
+          <a:bodyPr anchor="ctr"/>
+          <a:p>
+            <a:pPr lvl="0" algn="ctr">
+              <a:defRPr/>
+            </a:pPr>
+            <a:r>
+              <a:rPr lang="en-US" altLang="ko-KR" sz="1500">
+                <a:solidFill>
+                  <a:schemeClr val="dk1"/>
+                </a:solidFill>
+              </a:rPr>
+              <a:t>Sequence</a:t>
+            </a:r>
+            <a:endParaRPr lang="en-US" altLang="ko-KR" sz="1500">
+              <a:solidFill>
+                <a:schemeClr val="dk1"/>
+              </a:solidFill>
+            </a:endParaRPr>
+          </a:p>
+          <a:p>
+            <a:pPr lvl="0" algn="ctr">
+              <a:defRPr/>
+            </a:pPr>
+            <a:r>
+              <a:rPr lang="en-US" altLang="ko-KR" sz="1500">
+                <a:solidFill>
+                  <a:schemeClr val="dk1"/>
+                </a:solidFill>
+              </a:rPr>
+              <a:t>“wander”</a:t>
+            </a:r>
+            <a:endParaRPr lang="en-US" altLang="ko-KR" sz="1500">
+              <a:solidFill>
+                <a:schemeClr val="dk1"/>
+              </a:solidFill>
+            </a:endParaRPr>
+          </a:p>
+        </p:txBody>
+      </p:sp>
+      <p:sp>
+        <p:nvSpPr>
+          <p:cNvPr id="5" name="직사각형 4"/>
+          <p:cNvSpPr/>
+          <p:nvPr/>
+        </p:nvSpPr>
+        <p:spPr>
+          <a:xfrm>
+            <a:off x="7717500" y="2950296"/>
+            <a:ext cx="1538807" cy="693233"/>
+          </a:xfrm>
+          <a:prstGeom prst="rect">
+            <a:avLst/>
+          </a:prstGeom>
+          <a:noFill/>
+          <a:ln>
+            <a:solidFill>
+              <a:schemeClr val="dk1"/>
+            </a:solidFill>
+          </a:ln>
+        </p:spPr>
+        <p:style>
+          <a:lnRef idx="2">
+            <a:schemeClr val="accent1">
+              <a:shade val="20000"/>
+            </a:schemeClr>
+          </a:lnRef>
+          <a:fillRef idx="1">
+            <a:schemeClr val="accent1"/>
+          </a:fillRef>
+          <a:effectRef idx="0">
+            <a:schemeClr val="accent1"/>
+          </a:effectRef>
+          <a:fontRef idx="minor">
+            <a:schemeClr val="lt1"/>
+          </a:fontRef>
+        </p:style>
+        <p:txBody>
+          <a:bodyPr anchor="ctr"/>
+          <a:lstStyle/>
+          <a:p>
+            <a:pPr lvl="0" algn="ctr">
+              <a:defRPr/>
+            </a:pPr>
+            <a:r>
+              <a:rPr lang="en-US" altLang="ko-KR" sz="1500">
+                <a:solidFill>
+                  <a:schemeClr val="dk1"/>
+                </a:solidFill>
+              </a:rPr>
+              <a:t>Action</a:t>
+            </a:r>
+            <a:endParaRPr lang="en-US" altLang="ko-KR" sz="1500">
+              <a:solidFill>
+                <a:schemeClr val="dk1"/>
+              </a:solidFill>
+            </a:endParaRPr>
+          </a:p>
+          <a:p>
+            <a:pPr lvl="0" algn="ctr">
+              <a:defRPr/>
+            </a:pPr>
+            <a:r>
+              <a:rPr lang="en-US" altLang="ko-KR" sz="1500">
+                <a:solidFill>
+                  <a:schemeClr val="dk1"/>
+                </a:solidFill>
+              </a:rPr>
+              <a:t>“Set Random Loaction”</a:t>
+            </a:r>
+            <a:endParaRPr lang="en-US" altLang="ko-KR" sz="1500">
+              <a:solidFill>
+                <a:schemeClr val="dk1"/>
+              </a:solidFill>
+            </a:endParaRPr>
+          </a:p>
+        </p:txBody>
+      </p:sp>
+      <p:sp>
+        <p:nvSpPr>
+          <p:cNvPr id="6" name="직사각형 5"/>
+          <p:cNvSpPr/>
+          <p:nvPr/>
+        </p:nvSpPr>
+        <p:spPr>
+          <a:xfrm>
+            <a:off x="9566200" y="2950296"/>
+            <a:ext cx="1420891" cy="693233"/>
+          </a:xfrm>
+          <a:prstGeom prst="rect">
+            <a:avLst/>
+          </a:prstGeom>
+          <a:noFill/>
+          <a:ln>
+            <a:solidFill>
+              <a:schemeClr val="dk1"/>
+            </a:solidFill>
+          </a:ln>
+        </p:spPr>
+        <p:style>
+          <a:lnRef idx="2">
+            <a:schemeClr val="accent1">
+              <a:shade val="20000"/>
+            </a:schemeClr>
+          </a:lnRef>
+          <a:fillRef idx="1">
+            <a:schemeClr val="accent1"/>
+          </a:fillRef>
+          <a:effectRef idx="0">
+            <a:schemeClr val="accent1"/>
+          </a:effectRef>
+          <a:fontRef idx="minor">
+            <a:schemeClr val="lt1"/>
+          </a:fontRef>
+        </p:style>
+        <p:txBody>
+          <a:bodyPr anchor="ctr"/>
+          <a:lstStyle/>
+          <a:p>
+            <a:pPr lvl="0" algn="ctr">
+              <a:defRPr/>
+            </a:pPr>
+            <a:r>
+              <a:rPr lang="en-US" altLang="ko-KR" sz="1500">
+                <a:solidFill>
+                  <a:schemeClr val="dk1"/>
+                </a:solidFill>
+              </a:rPr>
+              <a:t>Sequence</a:t>
+            </a:r>
+            <a:endParaRPr lang="en-US" altLang="ko-KR" sz="1500">
+              <a:solidFill>
+                <a:schemeClr val="dk1"/>
+              </a:solidFill>
+            </a:endParaRPr>
+          </a:p>
+        </p:txBody>
+      </p:sp>
+      <p:cxnSp>
+        <p:nvCxnSpPr>
+          <p:cNvPr id="7" name="선 6"/>
+          <p:cNvCxnSpPr>
+            <a:stCxn id="4" idx="2"/>
+            <a:endCxn id="5" idx="0"/>
+          </p:cNvCxnSpPr>
+          <p:nvPr/>
+        </p:nvCxnSpPr>
+        <p:spPr>
+          <a:xfrm rot="5400000">
+            <a:off x="8438224" y="2532765"/>
+            <a:ext cx="466211" cy="368849"/>
+          </a:xfrm>
+          <a:prstGeom prst="line">
+            <a:avLst/>
+          </a:prstGeom>
+          <a:ln>
+            <a:solidFill>
+              <a:schemeClr val="dk1"/>
+            </a:solidFill>
+          </a:ln>
+        </p:spPr>
+        <p:style>
+          <a:lnRef idx="1">
+            <a:schemeClr val="accent1"/>
+          </a:lnRef>
+          <a:fillRef idx="0">
+            <a:schemeClr val="accent1"/>
+          </a:fillRef>
+          <a:effectRef idx="0">
+            <a:schemeClr val="accent1"/>
+          </a:effectRef>
+          <a:fontRef idx="minor">
+            <a:schemeClr val="tx1"/>
+          </a:fontRef>
+        </p:style>
+      </p:cxnSp>
+      <p:cxnSp>
+        <p:nvCxnSpPr>
+          <p:cNvPr id="8" name="선 7"/>
+          <p:cNvCxnSpPr>
+            <a:stCxn id="4" idx="2"/>
+            <a:endCxn id="6" idx="0"/>
+          </p:cNvCxnSpPr>
+          <p:nvPr/>
+        </p:nvCxnSpPr>
+        <p:spPr>
+          <a:xfrm>
+            <a:off x="8855754" y="2484084"/>
+            <a:ext cx="1420892" cy="466211"/>
+          </a:xfrm>
+          <a:prstGeom prst="line">
+            <a:avLst/>
+          </a:prstGeom>
+          <a:ln>
+            <a:solidFill>
+              <a:schemeClr val="dk1"/>
+            </a:solidFill>
+          </a:ln>
+        </p:spPr>
+        <p:style>
+          <a:lnRef idx="1">
+            <a:schemeClr val="accent1"/>
+          </a:lnRef>
+          <a:fillRef idx="0">
+            <a:schemeClr val="accent1"/>
+          </a:fillRef>
+          <a:effectRef idx="0">
+            <a:schemeClr val="accent1"/>
+          </a:effectRef>
+          <a:fontRef idx="minor">
+            <a:schemeClr val="tx1"/>
+          </a:fontRef>
+        </p:style>
+      </p:cxnSp>
+      <p:sp>
+        <p:nvSpPr>
+          <p:cNvPr id="9" name="직사각형 8"/>
+          <p:cNvSpPr/>
+          <p:nvPr/>
+        </p:nvSpPr>
+        <p:spPr>
+          <a:xfrm>
+            <a:off x="2940358" y="4066054"/>
+            <a:ext cx="1695222" cy="728208"/>
+          </a:xfrm>
+          <a:prstGeom prst="rect">
+            <a:avLst/>
+          </a:prstGeom>
+          <a:noFill/>
+          <a:ln>
+            <a:solidFill>
+              <a:schemeClr val="dk1"/>
+            </a:solidFill>
+          </a:ln>
+        </p:spPr>
+        <p:style>
+          <a:lnRef idx="2">
+            <a:schemeClr val="accent1">
+              <a:shade val="20000"/>
+            </a:schemeClr>
+          </a:lnRef>
+          <a:fillRef idx="1">
+            <a:schemeClr val="accent1"/>
+          </a:fillRef>
+          <a:effectRef idx="0">
+            <a:schemeClr val="accent1"/>
+          </a:effectRef>
+          <a:fontRef idx="minor">
+            <a:schemeClr val="lt1"/>
+          </a:fontRef>
+        </p:style>
+        <p:txBody>
+          <a:bodyPr anchor="ctr"/>
+          <a:lstStyle/>
+          <a:p>
+            <a:pPr lvl="0" algn="ctr">
+              <a:defRPr/>
+            </a:pPr>
+            <a:r>
+              <a:rPr lang="en-US" altLang="ko-KR" sz="1700">
+                <a:solidFill>
+                  <a:schemeClr val="dk1"/>
+                </a:solidFill>
+              </a:rPr>
+              <a:t>Sequence</a:t>
+            </a:r>
+            <a:endParaRPr lang="en-US" altLang="ko-KR" sz="1700">
+              <a:solidFill>
+                <a:schemeClr val="dk1"/>
+              </a:solidFill>
+            </a:endParaRPr>
+          </a:p>
+          <a:p>
+            <a:pPr lvl="0" algn="ctr">
+              <a:defRPr/>
+            </a:pPr>
+            <a:r>
+              <a:rPr lang="en-US" altLang="ko-KR" sz="1700">
+                <a:solidFill>
+                  <a:schemeClr val="dk1"/>
+                </a:solidFill>
+              </a:rPr>
+              <a:t>“</a:t>
+            </a:r>
+            <a:r>
+              <a:rPr lang="ko-KR" altLang="en-US" sz="1700">
+                <a:solidFill>
+                  <a:schemeClr val="dk1"/>
+                </a:solidFill>
+              </a:rPr>
+              <a:t>추적</a:t>
+            </a:r>
+            <a:r>
+              <a:rPr lang="en-US" altLang="ko-KR" sz="1700">
+                <a:solidFill>
+                  <a:schemeClr val="dk1"/>
+                </a:solidFill>
+              </a:rPr>
+              <a:t>”</a:t>
+            </a:r>
+            <a:endParaRPr lang="en-US" altLang="ko-KR" sz="1700">
+              <a:solidFill>
+                <a:schemeClr val="dk1"/>
+              </a:solidFill>
+            </a:endParaRPr>
+          </a:p>
+        </p:txBody>
+      </p:sp>
+      <p:sp>
+        <p:nvSpPr>
+          <p:cNvPr id="11" name="직사각형 10"/>
+          <p:cNvSpPr/>
+          <p:nvPr/>
+        </p:nvSpPr>
+        <p:spPr>
+          <a:xfrm>
+            <a:off x="3932847" y="5458016"/>
+            <a:ext cx="1695222" cy="728208"/>
+          </a:xfrm>
+          <a:prstGeom prst="rect">
+            <a:avLst/>
+          </a:prstGeom>
+          <a:noFill/>
+          <a:ln>
+            <a:solidFill>
+              <a:schemeClr val="dk1"/>
+            </a:solidFill>
+          </a:ln>
+        </p:spPr>
+        <p:style>
+          <a:lnRef idx="2">
+            <a:schemeClr val="accent1">
+              <a:shade val="20000"/>
+            </a:schemeClr>
+          </a:lnRef>
+          <a:fillRef idx="1">
+            <a:schemeClr val="accent1"/>
+          </a:fillRef>
+          <a:effectRef idx="0">
+            <a:schemeClr val="accent1"/>
+          </a:effectRef>
+          <a:fontRef idx="minor">
+            <a:schemeClr val="lt1"/>
+          </a:fontRef>
+        </p:style>
+        <p:txBody>
+          <a:bodyPr anchor="ctr"/>
+          <a:lstStyle/>
+          <a:p>
+            <a:pPr lvl="0" algn="ctr">
+              <a:defRPr/>
+            </a:pPr>
+            <a:r>
+              <a:rPr lang="en-US" altLang="ko-KR" sz="1500">
+                <a:solidFill>
+                  <a:schemeClr val="dk1"/>
+                </a:solidFill>
+              </a:rPr>
+              <a:t>Action</a:t>
+            </a:r>
+            <a:endParaRPr lang="en-US" altLang="ko-KR" sz="1500">
+              <a:solidFill>
+                <a:schemeClr val="dk1"/>
+              </a:solidFill>
+            </a:endParaRPr>
+          </a:p>
+          <a:p>
+            <a:pPr lvl="0" algn="ctr">
+              <a:defRPr/>
+            </a:pPr>
+            <a:r>
+              <a:rPr lang="en-US" altLang="ko-KR" sz="1500">
+                <a:solidFill>
+                  <a:schemeClr val="dk1"/>
+                </a:solidFill>
+              </a:rPr>
+              <a:t>“Move To</a:t>
+            </a:r>
+            <a:r>
+              <a:rPr lang="ko-KR" altLang="en-US" sz="1500">
+                <a:solidFill>
+                  <a:schemeClr val="dk1"/>
+                </a:solidFill>
+              </a:rPr>
+              <a:t> </a:t>
+            </a:r>
+            <a:r>
+              <a:rPr lang="en-US" altLang="ko-KR" sz="1500">
+                <a:solidFill>
+                  <a:schemeClr val="dk1"/>
+                </a:solidFill>
+              </a:rPr>
+              <a:t>Boy”</a:t>
+            </a:r>
+            <a:endParaRPr lang="en-US" altLang="ko-KR" sz="1500">
+              <a:solidFill>
+                <a:schemeClr val="dk1"/>
+              </a:solidFill>
+            </a:endParaRPr>
+          </a:p>
+        </p:txBody>
+      </p:sp>
+      <p:cxnSp>
+        <p:nvCxnSpPr>
+          <p:cNvPr id="12" name="선 11"/>
+          <p:cNvCxnSpPr>
+            <a:stCxn id="9" idx="2"/>
+            <a:endCxn id="14" idx="0"/>
+          </p:cNvCxnSpPr>
+          <p:nvPr/>
+        </p:nvCxnSpPr>
+        <p:spPr>
+          <a:xfrm rot="10800000" flipV="1">
+            <a:off x="2859465" y="4794262"/>
+            <a:ext cx="928503" cy="460722"/>
+          </a:xfrm>
+          <a:prstGeom prst="line">
+            <a:avLst/>
+          </a:prstGeom>
+          <a:ln>
+            <a:solidFill>
+              <a:schemeClr val="dk1"/>
+            </a:solidFill>
+          </a:ln>
+        </p:spPr>
+        <p:style>
+          <a:lnRef idx="1">
+            <a:schemeClr val="accent1"/>
+          </a:lnRef>
+          <a:fillRef idx="0">
+            <a:schemeClr val="accent1"/>
+          </a:fillRef>
+          <a:effectRef idx="0">
+            <a:schemeClr val="accent1"/>
+          </a:effectRef>
+          <a:fontRef idx="minor">
+            <a:schemeClr val="tx1"/>
+          </a:fontRef>
+        </p:style>
+      </p:cxnSp>
+      <p:cxnSp>
+        <p:nvCxnSpPr>
+          <p:cNvPr id="13" name="선 12"/>
+          <p:cNvCxnSpPr>
+            <a:stCxn id="9" idx="2"/>
+            <a:endCxn id="11" idx="0"/>
+          </p:cNvCxnSpPr>
+          <p:nvPr/>
+        </p:nvCxnSpPr>
+        <p:spPr>
+          <a:xfrm>
+            <a:off x="3787969" y="4794262"/>
+            <a:ext cx="992489" cy="663754"/>
+          </a:xfrm>
+          <a:prstGeom prst="line">
+            <a:avLst/>
+          </a:prstGeom>
+          <a:ln>
+            <a:solidFill>
+              <a:schemeClr val="dk1"/>
+            </a:solidFill>
+          </a:ln>
+        </p:spPr>
+        <p:style>
+          <a:lnRef idx="1">
+            <a:schemeClr val="accent1"/>
+          </a:lnRef>
+          <a:fillRef idx="0">
+            <a:schemeClr val="accent1"/>
+          </a:fillRef>
+          <a:effectRef idx="0">
+            <a:schemeClr val="accent1"/>
+          </a:effectRef>
+          <a:fontRef idx="minor">
+            <a:schemeClr val="tx1"/>
+          </a:fontRef>
+        </p:style>
+      </p:cxnSp>
+      <p:sp>
+        <p:nvSpPr>
+          <p:cNvPr id="14" name="다이아몬드 13"/>
+          <p:cNvSpPr/>
+          <p:nvPr/>
+        </p:nvSpPr>
+        <p:spPr>
+          <a:xfrm>
+            <a:off x="1930962" y="5254984"/>
+            <a:ext cx="1857007" cy="1453428"/>
+          </a:xfrm>
+          <a:prstGeom prst="diamond">
+            <a:avLst/>
+          </a:prstGeom>
+          <a:noFill/>
+          <a:ln>
+            <a:solidFill>
+              <a:schemeClr val="dk1"/>
+            </a:solidFill>
+          </a:ln>
+        </p:spPr>
+        <p:style>
+          <a:lnRef idx="2">
+            <a:schemeClr val="accent1">
+              <a:shade val="20000"/>
+            </a:schemeClr>
+          </a:lnRef>
+          <a:fillRef idx="1">
+            <a:schemeClr val="accent1"/>
+          </a:fillRef>
+          <a:effectRef idx="0">
+            <a:schemeClr val="accent1"/>
+          </a:effectRef>
+          <a:fontRef idx="minor">
+            <a:schemeClr val="lt1"/>
+          </a:fontRef>
+        </p:style>
+        <p:txBody>
+          <a:bodyPr anchor="ctr"/>
+          <a:p>
+            <a:pPr lvl="0" algn="ctr">
+              <a:defRPr/>
+            </a:pPr>
+            <a:r>
+              <a:rPr lang="ko-KR" altLang="en-US" sz="1500">
+                <a:solidFill>
+                  <a:schemeClr val="dk1"/>
+                </a:solidFill>
+              </a:rPr>
+              <a:t>좀비가 소년보다 공이 많은가</a:t>
+            </a:r>
+            <a:r>
+              <a:rPr lang="en-US" altLang="ko-KR" sz="1500">
+                <a:solidFill>
+                  <a:schemeClr val="dk1"/>
+                </a:solidFill>
+              </a:rPr>
+              <a:t>?</a:t>
+            </a:r>
+            <a:r>
+              <a:rPr lang="ko-KR" altLang="en-US" sz="1500">
+                <a:solidFill>
+                  <a:schemeClr val="dk1"/>
+                </a:solidFill>
+              </a:rPr>
+              <a:t> </a:t>
+            </a:r>
+            <a:endParaRPr lang="ko-KR" altLang="en-US" sz="1500">
+              <a:solidFill>
+                <a:schemeClr val="dk1"/>
+              </a:solidFill>
+            </a:endParaRPr>
+          </a:p>
+        </p:txBody>
+      </p:sp>
+      <p:sp>
+        <p:nvSpPr>
+          <p:cNvPr id="15" name="직사각형 14"/>
+          <p:cNvSpPr/>
+          <p:nvPr/>
+        </p:nvSpPr>
+        <p:spPr>
+          <a:xfrm>
+            <a:off x="6096000" y="3980354"/>
+            <a:ext cx="1695223" cy="664942"/>
+          </a:xfrm>
+          <a:prstGeom prst="rect">
+            <a:avLst/>
+          </a:prstGeom>
+          <a:noFill/>
+          <a:ln>
+            <a:solidFill>
+              <a:schemeClr val="dk1"/>
+            </a:solidFill>
+          </a:ln>
+        </p:spPr>
+        <p:style>
+          <a:lnRef idx="2">
+            <a:schemeClr val="accent1">
+              <a:shade val="20000"/>
+            </a:schemeClr>
+          </a:lnRef>
+          <a:fillRef idx="1">
+            <a:schemeClr val="accent1"/>
+          </a:fillRef>
+          <a:effectRef idx="0">
+            <a:schemeClr val="accent1"/>
+          </a:effectRef>
+          <a:fontRef idx="minor">
+            <a:schemeClr val="lt1"/>
+          </a:fontRef>
+        </p:style>
+        <p:txBody>
+          <a:bodyPr anchor="ctr"/>
+          <a:lstStyle/>
+          <a:p>
+            <a:pPr lvl="0" algn="ctr">
+              <a:defRPr/>
+            </a:pPr>
+            <a:r>
+              <a:rPr lang="en-US" altLang="ko-KR" sz="1700">
+                <a:solidFill>
+                  <a:schemeClr val="dk1"/>
+                </a:solidFill>
+              </a:rPr>
+              <a:t>Sequence</a:t>
+            </a:r>
+            <a:endParaRPr lang="en-US" altLang="ko-KR" sz="1700">
+              <a:solidFill>
+                <a:schemeClr val="dk1"/>
+              </a:solidFill>
+            </a:endParaRPr>
+          </a:p>
+          <a:p>
+            <a:pPr lvl="0" algn="ctr">
+              <a:defRPr/>
+            </a:pPr>
+            <a:r>
+              <a:rPr lang="en-US" altLang="ko-KR" sz="1700">
+                <a:solidFill>
+                  <a:schemeClr val="dk1"/>
+                </a:solidFill>
+              </a:rPr>
+              <a:t>“</a:t>
+            </a:r>
+            <a:r>
+              <a:rPr lang="ko-KR" altLang="en-US" sz="1700">
+                <a:solidFill>
+                  <a:schemeClr val="dk1"/>
+                </a:solidFill>
+              </a:rPr>
+              <a:t>도망</a:t>
+            </a:r>
+            <a:r>
+              <a:rPr lang="en-US" altLang="ko-KR" sz="1700">
+                <a:solidFill>
+                  <a:schemeClr val="dk1"/>
+                </a:solidFill>
+              </a:rPr>
+              <a:t>”</a:t>
+            </a:r>
+            <a:endParaRPr lang="en-US" altLang="ko-KR" sz="1700">
+              <a:solidFill>
+                <a:schemeClr val="dk1"/>
+              </a:solidFill>
+            </a:endParaRPr>
+          </a:p>
+        </p:txBody>
+      </p:sp>
+      <p:sp>
+        <p:nvSpPr>
+          <p:cNvPr id="16" name="직사각형 15"/>
+          <p:cNvSpPr/>
+          <p:nvPr/>
+        </p:nvSpPr>
+        <p:spPr>
+          <a:xfrm>
+            <a:off x="7634808" y="5403949"/>
+            <a:ext cx="1695223" cy="664942"/>
+          </a:xfrm>
+          <a:prstGeom prst="rect">
+            <a:avLst/>
+          </a:prstGeom>
+          <a:noFill/>
+          <a:ln>
+            <a:solidFill>
+              <a:schemeClr val="dk1"/>
+            </a:solidFill>
+          </a:ln>
+        </p:spPr>
+        <p:style>
+          <a:lnRef idx="2">
+            <a:schemeClr val="accent1">
+              <a:shade val="20000"/>
+            </a:schemeClr>
+          </a:lnRef>
+          <a:fillRef idx="1">
+            <a:schemeClr val="accent1"/>
+          </a:fillRef>
+          <a:effectRef idx="0">
+            <a:schemeClr val="accent1"/>
+          </a:effectRef>
+          <a:fontRef idx="minor">
+            <a:schemeClr val="lt1"/>
+          </a:fontRef>
+        </p:style>
+        <p:txBody>
+          <a:bodyPr anchor="ctr"/>
+          <a:lstStyle/>
+          <a:p>
+            <a:pPr lvl="0" algn="ctr">
+              <a:defRPr/>
+            </a:pPr>
+            <a:r>
+              <a:rPr lang="en-US" altLang="ko-KR" sz="1500">
+                <a:solidFill>
+                  <a:schemeClr val="dk1"/>
+                </a:solidFill>
+              </a:rPr>
+              <a:t>Action</a:t>
+            </a:r>
+            <a:endParaRPr lang="en-US" altLang="ko-KR" sz="1500">
+              <a:solidFill>
+                <a:schemeClr val="dk1"/>
+              </a:solidFill>
+            </a:endParaRPr>
+          </a:p>
+          <a:p>
+            <a:pPr lvl="0" algn="ctr">
+              <a:defRPr/>
+            </a:pPr>
+            <a:r>
+              <a:rPr lang="en-US" altLang="ko-KR" sz="1500">
+                <a:solidFill>
+                  <a:schemeClr val="dk1"/>
+                </a:solidFill>
+              </a:rPr>
+              <a:t>“Run away from Boy”</a:t>
+            </a:r>
+            <a:endParaRPr lang="en-US" altLang="ko-KR" sz="1500">
+              <a:solidFill>
+                <a:schemeClr val="dk1"/>
+              </a:solidFill>
+            </a:endParaRPr>
+          </a:p>
+        </p:txBody>
+      </p:sp>
+      <p:cxnSp>
+        <p:nvCxnSpPr>
+          <p:cNvPr id="17" name="선 16"/>
+          <p:cNvCxnSpPr>
+            <a:stCxn id="15" idx="2"/>
+            <a:endCxn id="19" idx="0"/>
+          </p:cNvCxnSpPr>
+          <p:nvPr/>
+        </p:nvCxnSpPr>
+        <p:spPr>
+          <a:xfrm rot="5400000">
+            <a:off x="6567361" y="4696593"/>
+            <a:ext cx="427547" cy="324953"/>
+          </a:xfrm>
+          <a:prstGeom prst="line">
+            <a:avLst/>
+          </a:prstGeom>
+          <a:ln>
+            <a:solidFill>
+              <a:schemeClr val="dk1"/>
+            </a:solidFill>
+          </a:ln>
+        </p:spPr>
+        <p:style>
+          <a:lnRef idx="1">
+            <a:schemeClr val="accent1"/>
+          </a:lnRef>
+          <a:fillRef idx="0">
+            <a:schemeClr val="accent1"/>
+          </a:fillRef>
+          <a:effectRef idx="0">
+            <a:schemeClr val="accent1"/>
+          </a:effectRef>
+          <a:fontRef idx="minor">
+            <a:schemeClr val="tx1"/>
+          </a:fontRef>
+        </p:style>
+      </p:cxnSp>
+      <p:cxnSp>
+        <p:nvCxnSpPr>
+          <p:cNvPr id="18" name="선 17"/>
+          <p:cNvCxnSpPr>
+            <a:stCxn id="15" idx="2"/>
+            <a:endCxn id="16" idx="0"/>
+          </p:cNvCxnSpPr>
+          <p:nvPr/>
+        </p:nvCxnSpPr>
+        <p:spPr>
+          <a:xfrm>
+            <a:off x="6943611" y="4645296"/>
+            <a:ext cx="1538807" cy="758653"/>
+          </a:xfrm>
+          <a:prstGeom prst="line">
+            <a:avLst/>
+          </a:prstGeom>
+          <a:ln>
+            <a:solidFill>
+              <a:schemeClr val="dk1"/>
+            </a:solidFill>
+          </a:ln>
+        </p:spPr>
+        <p:style>
+          <a:lnRef idx="1">
+            <a:schemeClr val="accent1"/>
+          </a:lnRef>
+          <a:fillRef idx="0">
+            <a:schemeClr val="accent1"/>
+          </a:fillRef>
+          <a:effectRef idx="0">
+            <a:schemeClr val="accent1"/>
+          </a:effectRef>
+          <a:fontRef idx="minor">
+            <a:schemeClr val="tx1"/>
+          </a:fontRef>
+        </p:style>
+      </p:cxnSp>
+      <p:sp>
+        <p:nvSpPr>
+          <p:cNvPr id="19" name="다이아몬드 18"/>
+          <p:cNvSpPr/>
+          <p:nvPr/>
+        </p:nvSpPr>
+        <p:spPr>
+          <a:xfrm>
+            <a:off x="5690154" y="5072843"/>
+            <a:ext cx="1857008" cy="1327155"/>
+          </a:xfrm>
+          <a:prstGeom prst="diamond">
+            <a:avLst/>
+          </a:prstGeom>
+          <a:noFill/>
+          <a:ln>
+            <a:solidFill>
+              <a:schemeClr val="dk1"/>
+            </a:solidFill>
+          </a:ln>
+        </p:spPr>
+        <p:style>
+          <a:lnRef idx="2">
+            <a:schemeClr val="accent1">
+              <a:shade val="20000"/>
+            </a:schemeClr>
+          </a:lnRef>
+          <a:fillRef idx="1">
+            <a:schemeClr val="accent1"/>
+          </a:fillRef>
+          <a:effectRef idx="0">
+            <a:schemeClr val="accent1"/>
+          </a:effectRef>
+          <a:fontRef idx="minor">
+            <a:schemeClr val="lt1"/>
+          </a:fontRef>
+        </p:style>
+        <p:txBody>
+          <a:bodyPr anchor="ctr"/>
+          <a:lstStyle/>
+          <a:p>
+            <a:pPr lvl="0" algn="ctr">
+              <a:defRPr/>
+            </a:pPr>
+            <a:r>
+              <a:rPr lang="ko-KR" altLang="en-US" sz="1500">
+                <a:solidFill>
+                  <a:schemeClr val="dk1"/>
+                </a:solidFill>
+              </a:rPr>
+              <a:t>좀비가 소년보다 공이 적은가</a:t>
+            </a:r>
+            <a:r>
+              <a:rPr lang="en-US" altLang="ko-KR" sz="1500">
+                <a:solidFill>
+                  <a:schemeClr val="dk1"/>
+                </a:solidFill>
+              </a:rPr>
+              <a:t>?</a:t>
+            </a:r>
+            <a:r>
+              <a:rPr lang="ko-KR" altLang="en-US" sz="1500">
+                <a:solidFill>
+                  <a:schemeClr val="dk1"/>
+                </a:solidFill>
+              </a:rPr>
+              <a:t> </a:t>
+            </a:r>
+            <a:endParaRPr lang="ko-KR" altLang="en-US" sz="1500">
+              <a:solidFill>
+                <a:schemeClr val="dk1"/>
+              </a:solidFill>
+            </a:endParaRPr>
+          </a:p>
+        </p:txBody>
+      </p:sp>
+      <p:sp>
+        <p:nvSpPr>
+          <p:cNvPr id="20" name="직사각형 19"/>
+          <p:cNvSpPr/>
+          <p:nvPr/>
+        </p:nvSpPr>
+        <p:spPr>
+          <a:xfrm>
+            <a:off x="4869825" y="735012"/>
+            <a:ext cx="2119030" cy="664942"/>
+          </a:xfrm>
+          <a:prstGeom prst="rect">
+            <a:avLst/>
+          </a:prstGeom>
+          <a:noFill/>
+          <a:ln>
+            <a:solidFill>
+              <a:schemeClr val="dk1"/>
+            </a:solidFill>
+          </a:ln>
+        </p:spPr>
+        <p:style>
+          <a:lnRef idx="2">
+            <a:schemeClr val="accent1">
+              <a:shade val="20000"/>
+            </a:schemeClr>
+          </a:lnRef>
+          <a:fillRef idx="1">
+            <a:schemeClr val="accent1"/>
+          </a:fillRef>
+          <a:effectRef idx="0">
+            <a:schemeClr val="accent1"/>
+          </a:effectRef>
+          <a:fontRef idx="minor">
+            <a:schemeClr val="lt1"/>
+          </a:fontRef>
+        </p:style>
+        <p:txBody>
+          <a:bodyPr anchor="ctr"/>
+          <a:lstStyle/>
+          <a:p>
+            <a:pPr lvl="0" algn="ctr">
+              <a:defRPr/>
+            </a:pPr>
+            <a:r>
+              <a:rPr lang="en-US" altLang="ko-KR" sz="1700">
+                <a:solidFill>
+                  <a:schemeClr val="dk1"/>
+                </a:solidFill>
+              </a:rPr>
+              <a:t>Selector</a:t>
+            </a:r>
+            <a:endParaRPr lang="en-US" altLang="ko-KR" sz="1700">
+              <a:solidFill>
+                <a:schemeClr val="dk1"/>
+              </a:solidFill>
+            </a:endParaRPr>
+          </a:p>
+          <a:p>
+            <a:pPr lvl="0" algn="ctr">
+              <a:defRPr/>
+            </a:pPr>
+            <a:r>
+              <a:rPr lang="en-US" altLang="ko-KR" sz="1700">
+                <a:solidFill>
+                  <a:schemeClr val="dk1"/>
+                </a:solidFill>
+              </a:rPr>
+              <a:t>Checking</a:t>
+            </a:r>
+            <a:r>
+              <a:rPr lang="ko-KR" altLang="en-US" sz="1700">
+                <a:solidFill>
+                  <a:schemeClr val="dk1"/>
+                </a:solidFill>
+              </a:rPr>
+              <a:t> </a:t>
+            </a:r>
+            <a:r>
+              <a:rPr lang="en-US" altLang="ko-KR" sz="1700">
+                <a:solidFill>
+                  <a:schemeClr val="dk1"/>
+                </a:solidFill>
+              </a:rPr>
+              <a:t>or Wander</a:t>
+            </a:r>
+            <a:endParaRPr lang="en-US" altLang="ko-KR" sz="1700">
+              <a:solidFill>
+                <a:schemeClr val="dk1"/>
+              </a:solidFill>
+            </a:endParaRPr>
+          </a:p>
+        </p:txBody>
+      </p:sp>
+      <p:sp>
+        <p:nvSpPr>
+          <p:cNvPr id="21" name="직사각형 20"/>
+          <p:cNvSpPr/>
+          <p:nvPr/>
+        </p:nvSpPr>
+        <p:spPr>
+          <a:xfrm>
+            <a:off x="2282306" y="1790851"/>
+            <a:ext cx="2119030" cy="664942"/>
+          </a:xfrm>
+          <a:prstGeom prst="rect">
+            <a:avLst/>
+          </a:prstGeom>
+          <a:noFill/>
+          <a:ln>
+            <a:solidFill>
+              <a:schemeClr val="dk1"/>
+            </a:solidFill>
+          </a:ln>
+        </p:spPr>
+        <p:style>
+          <a:lnRef idx="2">
+            <a:schemeClr val="accent1">
+              <a:shade val="20000"/>
+            </a:schemeClr>
+          </a:lnRef>
+          <a:fillRef idx="1">
+            <a:schemeClr val="accent1"/>
+          </a:fillRef>
+          <a:effectRef idx="0">
+            <a:schemeClr val="accent1"/>
+          </a:effectRef>
+          <a:fontRef idx="minor">
+            <a:schemeClr val="lt1"/>
+          </a:fontRef>
+        </p:style>
+        <p:txBody>
+          <a:bodyPr anchor="ctr"/>
+          <a:lstStyle/>
+          <a:p>
+            <a:pPr lvl="0" algn="ctr">
+              <a:defRPr/>
+            </a:pPr>
+            <a:r>
+              <a:rPr lang="en-US" altLang="ko-KR" sz="1700">
+                <a:solidFill>
+                  <a:schemeClr val="dk1"/>
+                </a:solidFill>
+              </a:rPr>
+              <a:t>Sequence</a:t>
+            </a:r>
+            <a:endParaRPr lang="en-US" altLang="ko-KR" sz="1700">
+              <a:solidFill>
+                <a:schemeClr val="dk1"/>
+              </a:solidFill>
+            </a:endParaRPr>
+          </a:p>
+          <a:p>
+            <a:pPr lvl="0" algn="ctr">
+              <a:defRPr/>
+            </a:pPr>
+            <a:r>
+              <a:rPr lang="en-US" altLang="ko-KR" sz="1700">
+                <a:solidFill>
+                  <a:schemeClr val="dk1"/>
+                </a:solidFill>
+              </a:rPr>
+              <a:t>Checking</a:t>
+            </a:r>
+            <a:endParaRPr lang="en-US" altLang="ko-KR" sz="1700">
+              <a:solidFill>
+                <a:schemeClr val="dk1"/>
+              </a:solidFill>
+            </a:endParaRPr>
+          </a:p>
+        </p:txBody>
+      </p:sp>
+      <p:sp>
+        <p:nvSpPr>
+          <p:cNvPr id="22" name="다이아몬드 21"/>
+          <p:cNvSpPr/>
+          <p:nvPr/>
+        </p:nvSpPr>
+        <p:spPr>
+          <a:xfrm>
+            <a:off x="1175109" y="2702286"/>
+            <a:ext cx="1857007" cy="1453428"/>
+          </a:xfrm>
+          <a:prstGeom prst="diamond">
+            <a:avLst/>
+          </a:prstGeom>
+          <a:noFill/>
+          <a:ln>
+            <a:solidFill>
+              <a:schemeClr val="dk1"/>
+            </a:solidFill>
+          </a:ln>
+        </p:spPr>
+        <p:style>
+          <a:lnRef idx="2">
+            <a:schemeClr val="accent1">
+              <a:shade val="20000"/>
+            </a:schemeClr>
+          </a:lnRef>
+          <a:fillRef idx="1">
+            <a:schemeClr val="accent1"/>
+          </a:fillRef>
+          <a:effectRef idx="0">
+            <a:schemeClr val="accent1"/>
+          </a:effectRef>
+          <a:fontRef idx="minor">
+            <a:schemeClr val="lt1"/>
+          </a:fontRef>
+        </p:style>
+        <p:txBody>
+          <a:bodyPr anchor="ctr"/>
+          <a:lstStyle/>
+          <a:p>
+            <a:pPr lvl="0" algn="ctr">
+              <a:defRPr/>
+            </a:pPr>
+            <a:r>
+              <a:rPr lang="ko-KR" altLang="en-US" sz="1500">
+                <a:solidFill>
+                  <a:schemeClr val="dk1"/>
+                </a:solidFill>
+              </a:rPr>
+              <a:t>소년이 근처에 있는가</a:t>
+            </a:r>
+            <a:r>
+              <a:rPr lang="en-US" altLang="ko-KR" sz="1500">
+                <a:solidFill>
+                  <a:schemeClr val="dk1"/>
+                </a:solidFill>
+              </a:rPr>
+              <a:t>?</a:t>
+            </a:r>
+            <a:r>
+              <a:rPr lang="ko-KR" altLang="en-US" sz="1500">
+                <a:solidFill>
+                  <a:schemeClr val="dk1"/>
+                </a:solidFill>
+              </a:rPr>
+              <a:t> </a:t>
+            </a:r>
+            <a:endParaRPr lang="ko-KR" altLang="en-US" sz="1500">
+              <a:solidFill>
+                <a:schemeClr val="dk1"/>
+              </a:solidFill>
+            </a:endParaRPr>
+          </a:p>
+        </p:txBody>
+      </p:sp>
+      <p:sp>
+        <p:nvSpPr>
+          <p:cNvPr id="23" name="직사각형 22"/>
+          <p:cNvSpPr/>
+          <p:nvPr/>
+        </p:nvSpPr>
+        <p:spPr>
+          <a:xfrm>
+            <a:off x="3810310" y="2764058"/>
+            <a:ext cx="2119030" cy="664942"/>
+          </a:xfrm>
+          <a:prstGeom prst="rect">
+            <a:avLst/>
+          </a:prstGeom>
+          <a:noFill/>
+          <a:ln>
+            <a:solidFill>
+              <a:schemeClr val="dk1"/>
+            </a:solidFill>
+          </a:ln>
+        </p:spPr>
+        <p:style>
+          <a:lnRef idx="2">
+            <a:schemeClr val="accent1">
+              <a:shade val="20000"/>
+            </a:schemeClr>
+          </a:lnRef>
+          <a:fillRef idx="1">
+            <a:schemeClr val="accent1"/>
+          </a:fillRef>
+          <a:effectRef idx="0">
+            <a:schemeClr val="accent1"/>
+          </a:effectRef>
+          <a:fontRef idx="minor">
+            <a:schemeClr val="lt1"/>
+          </a:fontRef>
+        </p:style>
+        <p:txBody>
+          <a:bodyPr anchor="ctr"/>
+          <a:lstStyle/>
+          <a:p>
+            <a:pPr lvl="0" algn="ctr">
+              <a:defRPr/>
+            </a:pPr>
+            <a:r>
+              <a:rPr lang="en-US" altLang="ko-KR" sz="1700">
+                <a:solidFill>
+                  <a:schemeClr val="dk1"/>
+                </a:solidFill>
+              </a:rPr>
+              <a:t>Selector</a:t>
+            </a:r>
+            <a:endParaRPr lang="en-US" altLang="ko-KR" sz="1700">
+              <a:solidFill>
+                <a:schemeClr val="dk1"/>
+              </a:solidFill>
+            </a:endParaRPr>
+          </a:p>
+          <a:p>
+            <a:pPr lvl="0" algn="ctr">
+              <a:defRPr/>
+            </a:pPr>
+            <a:r>
+              <a:rPr lang="ko-KR" altLang="en-US" sz="1700">
+                <a:solidFill>
+                  <a:schemeClr val="dk1"/>
+                </a:solidFill>
+              </a:rPr>
+              <a:t>추적 </a:t>
+            </a:r>
+            <a:r>
+              <a:rPr lang="en-US" altLang="ko-KR" sz="1700">
+                <a:solidFill>
+                  <a:schemeClr val="dk1"/>
+                </a:solidFill>
+              </a:rPr>
+              <a:t>or </a:t>
+            </a:r>
+            <a:r>
+              <a:rPr lang="ko-KR" altLang="en-US" sz="1700">
+                <a:solidFill>
+                  <a:schemeClr val="dk1"/>
+                </a:solidFill>
+              </a:rPr>
+              <a:t>도망</a:t>
+            </a:r>
+            <a:endParaRPr lang="ko-KR" altLang="en-US" sz="1700">
+              <a:solidFill>
+                <a:schemeClr val="dk1"/>
+              </a:solidFill>
+            </a:endParaRPr>
+          </a:p>
+        </p:txBody>
+      </p:sp>
+      <p:cxnSp>
+        <p:nvCxnSpPr>
+          <p:cNvPr id="24" name="선 23"/>
+          <p:cNvCxnSpPr>
+            <a:stCxn id="22" idx="0"/>
+            <a:endCxn id="21" idx="2"/>
+          </p:cNvCxnSpPr>
+          <p:nvPr/>
+        </p:nvCxnSpPr>
+        <p:spPr>
+          <a:xfrm flipV="1">
+            <a:off x="2103612" y="2455793"/>
+            <a:ext cx="1238208" cy="246493"/>
+          </a:xfrm>
+          <a:prstGeom prst="line">
+            <a:avLst/>
+          </a:prstGeom>
+          <a:ln>
+            <a:solidFill>
+              <a:schemeClr val="dk1"/>
+            </a:solidFill>
+          </a:ln>
+        </p:spPr>
+        <p:style>
+          <a:lnRef idx="1">
+            <a:schemeClr val="accent1"/>
+          </a:lnRef>
+          <a:fillRef idx="0">
+            <a:schemeClr val="accent1"/>
+          </a:fillRef>
+          <a:effectRef idx="0">
+            <a:schemeClr val="accent1"/>
+          </a:effectRef>
+          <a:fontRef idx="minor">
+            <a:schemeClr val="tx1"/>
+          </a:fontRef>
+        </p:style>
+      </p:cxnSp>
+      <p:cxnSp>
+        <p:nvCxnSpPr>
+          <p:cNvPr id="25" name="선 24"/>
+          <p:cNvCxnSpPr>
+            <a:stCxn id="23" idx="0"/>
+            <a:endCxn id="21" idx="2"/>
+          </p:cNvCxnSpPr>
+          <p:nvPr/>
+        </p:nvCxnSpPr>
+        <p:spPr>
+          <a:xfrm rot="10800000">
+            <a:off x="3341821" y="2455793"/>
+            <a:ext cx="1528004" cy="308265"/>
+          </a:xfrm>
+          <a:prstGeom prst="line">
+            <a:avLst/>
+          </a:prstGeom>
+          <a:ln>
+            <a:solidFill>
+              <a:schemeClr val="dk1"/>
+            </a:solidFill>
+          </a:ln>
+        </p:spPr>
+        <p:style>
+          <a:lnRef idx="1">
+            <a:schemeClr val="accent1"/>
+          </a:lnRef>
+          <a:fillRef idx="0">
+            <a:schemeClr val="accent1"/>
+          </a:fillRef>
+          <a:effectRef idx="0">
+            <a:schemeClr val="accent1"/>
+          </a:effectRef>
+          <a:fontRef idx="minor">
+            <a:schemeClr val="tx1"/>
+          </a:fontRef>
+        </p:style>
+      </p:cxnSp>
+      <p:cxnSp>
+        <p:nvCxnSpPr>
+          <p:cNvPr id="26" name="선 25"/>
+          <p:cNvCxnSpPr>
+            <a:stCxn id="9" idx="0"/>
+            <a:endCxn id="23" idx="2"/>
+          </p:cNvCxnSpPr>
+          <p:nvPr/>
+        </p:nvCxnSpPr>
+        <p:spPr>
+          <a:xfrm flipV="1">
+            <a:off x="3787969" y="3429000"/>
+            <a:ext cx="1081855" cy="637054"/>
+          </a:xfrm>
+          <a:prstGeom prst="line">
+            <a:avLst/>
+          </a:prstGeom>
+          <a:ln>
+            <a:solidFill>
+              <a:schemeClr val="dk1"/>
+            </a:solidFill>
+          </a:ln>
+        </p:spPr>
+        <p:style>
+          <a:lnRef idx="1">
+            <a:schemeClr val="accent1"/>
+          </a:lnRef>
+          <a:fillRef idx="0">
+            <a:schemeClr val="accent1"/>
+          </a:fillRef>
+          <a:effectRef idx="0">
+            <a:schemeClr val="accent1"/>
+          </a:effectRef>
+          <a:fontRef idx="minor">
+            <a:schemeClr val="tx1"/>
+          </a:fontRef>
+        </p:style>
+      </p:cxnSp>
+      <p:cxnSp>
+        <p:nvCxnSpPr>
+          <p:cNvPr id="27" name="선 26"/>
+          <p:cNvCxnSpPr>
+            <a:stCxn id="15" idx="0"/>
+            <a:endCxn id="23" idx="2"/>
+          </p:cNvCxnSpPr>
+          <p:nvPr/>
+        </p:nvCxnSpPr>
+        <p:spPr>
+          <a:xfrm rot="10800000">
+            <a:off x="4869825" y="3429000"/>
+            <a:ext cx="2073786" cy="551354"/>
+          </a:xfrm>
+          <a:prstGeom prst="line">
+            <a:avLst/>
+          </a:prstGeom>
+          <a:ln>
+            <a:solidFill>
+              <a:schemeClr val="dk1"/>
+            </a:solidFill>
+          </a:ln>
+        </p:spPr>
+        <p:style>
+          <a:lnRef idx="1">
+            <a:schemeClr val="accent1"/>
+          </a:lnRef>
+          <a:fillRef idx="0">
+            <a:schemeClr val="accent1"/>
+          </a:fillRef>
+          <a:effectRef idx="0">
+            <a:schemeClr val="accent1"/>
+          </a:effectRef>
+          <a:fontRef idx="minor">
+            <a:schemeClr val="tx1"/>
+          </a:fontRef>
+        </p:style>
+      </p:cxnSp>
+      <p:cxnSp>
+        <p:nvCxnSpPr>
+          <p:cNvPr id="28" name="선 27"/>
+          <p:cNvCxnSpPr>
+            <a:stCxn id="21" idx="0"/>
+            <a:endCxn id="20" idx="2"/>
+          </p:cNvCxnSpPr>
+          <p:nvPr/>
+        </p:nvCxnSpPr>
+        <p:spPr>
+          <a:xfrm flipV="1">
+            <a:off x="3341821" y="1399954"/>
+            <a:ext cx="2587519" cy="390897"/>
+          </a:xfrm>
+          <a:prstGeom prst="line">
+            <a:avLst/>
+          </a:prstGeom>
+          <a:ln>
+            <a:solidFill>
+              <a:schemeClr val="dk1"/>
+            </a:solidFill>
+          </a:ln>
+        </p:spPr>
+        <p:style>
+          <a:lnRef idx="1">
+            <a:schemeClr val="accent1"/>
+          </a:lnRef>
+          <a:fillRef idx="0">
+            <a:schemeClr val="accent1"/>
+          </a:fillRef>
+          <a:effectRef idx="0">
+            <a:schemeClr val="accent1"/>
+          </a:effectRef>
+          <a:fontRef idx="minor">
+            <a:schemeClr val="tx1"/>
+          </a:fontRef>
+        </p:style>
+      </p:cxnSp>
+      <p:cxnSp>
+        <p:nvCxnSpPr>
+          <p:cNvPr id="29" name="선 28"/>
+          <p:cNvCxnSpPr>
+            <a:stCxn id="20" idx="2"/>
+            <a:endCxn id="4" idx="0"/>
+          </p:cNvCxnSpPr>
+          <p:nvPr/>
+        </p:nvCxnSpPr>
+        <p:spPr>
+          <a:xfrm>
+            <a:off x="5929340" y="1399954"/>
+            <a:ext cx="2926414" cy="390897"/>
+          </a:xfrm>
+          <a:prstGeom prst="line">
+            <a:avLst/>
+          </a:prstGeom>
+          <a:ln>
+            <a:solidFill>
+              <a:schemeClr val="dk1"/>
+            </a:solidFill>
+          </a:ln>
+        </p:spPr>
+        <p:style>
+          <a:lnRef idx="1">
+            <a:schemeClr val="accent1"/>
+          </a:lnRef>
+          <a:fillRef idx="0">
+            <a:schemeClr val="accent1"/>
+          </a:fillRef>
+          <a:effectRef idx="0">
+            <a:schemeClr val="accent1"/>
+          </a:effectRef>
+          <a:fontRef idx="minor">
+            <a:schemeClr val="tx1"/>
+          </a:fontRef>
+        </p:style>
+      </p:cxnSp>
+      <p:sp>
+        <p:nvSpPr>
+          <p:cNvPr id="31" name="직사각형 30"/>
+          <p:cNvSpPr/>
+          <p:nvPr/>
+        </p:nvSpPr>
+        <p:spPr>
+          <a:xfrm>
+            <a:off x="10419743" y="4083541"/>
+            <a:ext cx="1420891" cy="693233"/>
+          </a:xfrm>
+          <a:prstGeom prst="rect">
+            <a:avLst/>
+          </a:prstGeom>
+          <a:noFill/>
+          <a:ln>
+            <a:solidFill>
+              <a:schemeClr val="dk1"/>
+            </a:solidFill>
+          </a:ln>
+        </p:spPr>
+        <p:style>
+          <a:lnRef idx="2">
+            <a:schemeClr val="accent1">
+              <a:shade val="20000"/>
+            </a:schemeClr>
+          </a:lnRef>
+          <a:fillRef idx="1">
+            <a:schemeClr val="accent1"/>
+          </a:fillRef>
+          <a:effectRef idx="0">
+            <a:schemeClr val="accent1"/>
+          </a:effectRef>
+          <a:fontRef idx="minor">
+            <a:schemeClr val="lt1"/>
+          </a:fontRef>
+        </p:style>
+        <p:txBody>
+          <a:bodyPr anchor="ctr"/>
+          <a:lstStyle/>
+          <a:p>
+            <a:pPr lvl="0" algn="ctr">
+              <a:defRPr/>
+            </a:pPr>
+            <a:r>
+              <a:rPr lang="en-US" altLang="ko-KR" sz="1500">
+                <a:solidFill>
+                  <a:schemeClr val="dk1"/>
+                </a:solidFill>
+              </a:rPr>
+              <a:t>Action</a:t>
+            </a:r>
+            <a:endParaRPr lang="en-US" altLang="ko-KR" sz="1500">
+              <a:solidFill>
+                <a:schemeClr val="dk1"/>
+              </a:solidFill>
+            </a:endParaRPr>
+          </a:p>
+          <a:p>
+            <a:pPr lvl="0" algn="ctr">
+              <a:defRPr/>
+            </a:pPr>
+            <a:r>
+              <a:rPr lang="en-US" altLang="ko-KR" sz="1500">
+                <a:solidFill>
+                  <a:schemeClr val="dk1"/>
+                </a:solidFill>
+              </a:rPr>
+              <a:t>‘</a:t>
+            </a:r>
+            <a:r>
+              <a:rPr lang="ko-KR" altLang="en-US" sz="1500">
+                <a:solidFill>
+                  <a:schemeClr val="dk1"/>
+                </a:solidFill>
+              </a:rPr>
+              <a:t>근처의 공쪽으로 간다</a:t>
+            </a:r>
+            <a:r>
+              <a:rPr lang="en-US" altLang="ko-KR" sz="1500">
+                <a:solidFill>
+                  <a:schemeClr val="dk1"/>
+                </a:solidFill>
+              </a:rPr>
+              <a:t>’</a:t>
+            </a:r>
+            <a:endParaRPr lang="en-US" altLang="ko-KR" sz="1500">
+              <a:solidFill>
+                <a:schemeClr val="dk1"/>
+              </a:solidFill>
+            </a:endParaRPr>
+          </a:p>
+        </p:txBody>
+      </p:sp>
+      <p:cxnSp>
+        <p:nvCxnSpPr>
+          <p:cNvPr id="32" name="선 31"/>
+          <p:cNvCxnSpPr>
+            <a:stCxn id="6" idx="2"/>
+            <a:endCxn id="34" idx="0"/>
+          </p:cNvCxnSpPr>
+          <p:nvPr/>
+        </p:nvCxnSpPr>
+        <p:spPr>
+          <a:xfrm rot="10800000" flipV="1">
+            <a:off x="9514398" y="3643529"/>
+            <a:ext cx="762249" cy="243577"/>
+          </a:xfrm>
+          <a:prstGeom prst="line">
+            <a:avLst/>
+          </a:prstGeom>
+          <a:ln>
+            <a:solidFill>
+              <a:schemeClr val="dk1"/>
+            </a:solidFill>
+          </a:ln>
+        </p:spPr>
+        <p:style>
+          <a:lnRef idx="1">
+            <a:schemeClr val="accent1"/>
+          </a:lnRef>
+          <a:fillRef idx="0">
+            <a:schemeClr val="accent1"/>
+          </a:fillRef>
+          <a:effectRef idx="0">
+            <a:schemeClr val="accent1"/>
+          </a:effectRef>
+          <a:fontRef idx="minor">
+            <a:schemeClr val="tx1"/>
+          </a:fontRef>
+        </p:style>
+      </p:cxnSp>
+      <p:cxnSp>
+        <p:nvCxnSpPr>
+          <p:cNvPr id="33" name="선 32"/>
+          <p:cNvCxnSpPr>
+            <a:stCxn id="6" idx="2"/>
+            <a:endCxn id="31" idx="0"/>
+          </p:cNvCxnSpPr>
+          <p:nvPr/>
+        </p:nvCxnSpPr>
+        <p:spPr>
+          <a:xfrm>
+            <a:off x="10276646" y="3643529"/>
+            <a:ext cx="853542" cy="440012"/>
+          </a:xfrm>
+          <a:prstGeom prst="line">
+            <a:avLst/>
+          </a:prstGeom>
+          <a:ln>
+            <a:solidFill>
+              <a:schemeClr val="dk1"/>
+            </a:solidFill>
+          </a:ln>
+        </p:spPr>
+        <p:style>
+          <a:lnRef idx="1">
+            <a:schemeClr val="accent1"/>
+          </a:lnRef>
+          <a:fillRef idx="0">
+            <a:schemeClr val="accent1"/>
+          </a:fillRef>
+          <a:effectRef idx="0">
+            <a:schemeClr val="accent1"/>
+          </a:effectRef>
+          <a:fontRef idx="minor">
+            <a:schemeClr val="tx1"/>
+          </a:fontRef>
+        </p:style>
+      </p:cxnSp>
+      <p:sp>
+        <p:nvSpPr>
+          <p:cNvPr id="34" name="다이아몬드 33"/>
+          <p:cNvSpPr/>
+          <p:nvPr/>
+        </p:nvSpPr>
+        <p:spPr>
+          <a:xfrm>
+            <a:off x="8752148" y="3887106"/>
+            <a:ext cx="1524498" cy="1137516"/>
+          </a:xfrm>
+          <a:prstGeom prst="diamond">
+            <a:avLst/>
+          </a:prstGeom>
+          <a:noFill/>
+          <a:ln>
+            <a:solidFill>
+              <a:schemeClr val="dk1"/>
+            </a:solidFill>
+          </a:ln>
+        </p:spPr>
+        <p:style>
+          <a:lnRef idx="2">
+            <a:schemeClr val="accent1">
+              <a:shade val="20000"/>
+            </a:schemeClr>
+          </a:lnRef>
+          <a:fillRef idx="1">
+            <a:schemeClr val="accent1"/>
+          </a:fillRef>
+          <a:effectRef idx="0">
+            <a:schemeClr val="accent1"/>
+          </a:effectRef>
+          <a:fontRef idx="minor">
+            <a:schemeClr val="lt1"/>
+          </a:fontRef>
+        </p:style>
+        <p:txBody>
+          <a:bodyPr anchor="ctr"/>
+          <a:lstStyle/>
+          <a:p>
+            <a:pPr lvl="0" algn="ctr">
+              <a:defRPr/>
+            </a:pPr>
+            <a:r>
+              <a:rPr lang="ko-KR" altLang="en-US" sz="1500">
+                <a:solidFill>
+                  <a:schemeClr val="dk1"/>
+                </a:solidFill>
+              </a:rPr>
+              <a:t>공이 근처에 있는가</a:t>
+            </a:r>
+            <a:r>
+              <a:rPr lang="en-US" altLang="ko-KR" sz="1500">
+                <a:solidFill>
+                  <a:schemeClr val="dk1"/>
+                </a:solidFill>
+              </a:rPr>
+              <a:t>?</a:t>
+            </a:r>
+            <a:endParaRPr lang="en-US" altLang="ko-KR" sz="1500">
+              <a:solidFill>
+                <a:schemeClr val="dk1"/>
+              </a:solidFill>
+            </a:endParaRPr>
+          </a:p>
+        </p:txBody>
+      </p:sp>
+      <p:sp>
+        <p:nvSpPr>
+          <p:cNvPr id="35" name="직사각형 34"/>
+          <p:cNvSpPr/>
+          <p:nvPr/>
+        </p:nvSpPr>
+        <p:spPr>
+          <a:xfrm>
+            <a:off x="10653193" y="2070825"/>
+            <a:ext cx="1538807" cy="693233"/>
+          </a:xfrm>
+          <a:prstGeom prst="rect">
+            <a:avLst/>
+          </a:prstGeom>
+          <a:noFill/>
+          <a:ln>
+            <a:solidFill>
+              <a:schemeClr val="dk1"/>
+            </a:solidFill>
+          </a:ln>
+        </p:spPr>
+        <p:style>
+          <a:lnRef idx="2">
+            <a:schemeClr val="accent1">
+              <a:shade val="20000"/>
+            </a:schemeClr>
+          </a:lnRef>
+          <a:fillRef idx="1">
+            <a:schemeClr val="accent1"/>
+          </a:fillRef>
+          <a:effectRef idx="0">
+            <a:schemeClr val="accent1"/>
+          </a:effectRef>
+          <a:fontRef idx="minor">
+            <a:schemeClr val="lt1"/>
+          </a:fontRef>
+        </p:style>
+        <p:txBody>
+          <a:bodyPr anchor="ctr"/>
+          <a:lstStyle/>
+          <a:p>
+            <a:pPr lvl="0" algn="ctr">
+              <a:defRPr/>
+            </a:pPr>
+            <a:r>
+              <a:rPr lang="en-US" altLang="ko-KR" sz="1500">
+                <a:solidFill>
+                  <a:schemeClr val="dk1"/>
+                </a:solidFill>
+              </a:rPr>
+              <a:t>Action</a:t>
+            </a:r>
+            <a:endParaRPr lang="en-US" altLang="ko-KR" sz="1500">
+              <a:solidFill>
+                <a:schemeClr val="dk1"/>
+              </a:solidFill>
+            </a:endParaRPr>
+          </a:p>
+          <a:p>
+            <a:pPr lvl="0" algn="ctr">
+              <a:defRPr/>
+            </a:pPr>
+            <a:r>
+              <a:rPr lang="en-US" altLang="ko-KR" sz="1500">
+                <a:solidFill>
+                  <a:schemeClr val="dk1"/>
+                </a:solidFill>
+              </a:rPr>
+              <a:t>“wander”</a:t>
+            </a:r>
+            <a:endParaRPr lang="en-US" altLang="ko-KR" sz="1500">
+              <a:solidFill>
+                <a:schemeClr val="dk1"/>
+              </a:solidFill>
+            </a:endParaRPr>
+          </a:p>
+        </p:txBody>
+      </p:sp>
+      <p:cxnSp>
+        <p:nvCxnSpPr>
+          <p:cNvPr id="36" name="선 35"/>
+          <p:cNvCxnSpPr>
+            <a:stCxn id="4" idx="2"/>
+            <a:endCxn id="35" idx="1"/>
+          </p:cNvCxnSpPr>
+          <p:nvPr/>
+        </p:nvCxnSpPr>
+        <p:spPr>
+          <a:xfrm flipV="1">
+            <a:off x="8855754" y="2417441"/>
+            <a:ext cx="1797438" cy="66642"/>
+          </a:xfrm>
+          <a:prstGeom prst="line">
+            <a:avLst/>
+          </a:prstGeom>
+          <a:ln>
+            <a:solidFill>
+              <a:schemeClr val="dk1"/>
+            </a:solidFill>
+          </a:ln>
+        </p:spPr>
+        <p:style>
+          <a:lnRef idx="1">
+            <a:schemeClr val="accent1"/>
+          </a:lnRef>
+          <a:fillRef idx="0">
+            <a:schemeClr val="accent1"/>
+          </a:fillRef>
+          <a:effectRef idx="0">
+            <a:schemeClr val="accent1"/>
+          </a:effectRef>
+          <a:fontRef idx="minor">
+            <a:schemeClr val="tx1"/>
+          </a:fontRef>
+        </p:style>
+      </p:cxnSp>
+    </p:spTree>
+    <p:extLst>
+      <p:ext uri="{BB962C8B-B14F-4D97-AF65-F5344CB8AC3E}">
+        <p14:creationId xmlns:p14="http://schemas.microsoft.com/office/powerpoint/2010/main" val="3917174371"/>
+      </p:ext>
+    </p:extLst>
+  </p:cSld>
+  <p:clrMapOvr>
+    <a:masterClrMapping/>
+  </p:clrMapOvr>
+</p:sld>
+</file>
+
 <file path=ppt/theme/theme1.xml><?xml version="1.0" encoding="utf-8"?>
 <a:theme xmlns:r="http://schemas.openxmlformats.org/officeDocument/2006/relationships" xmlns:c="http://schemas.openxmlformats.org/drawingml/2006/chart" xmlns:dgm="http://schemas.openxmlformats.org/drawingml/2006/diagram" xmlns:dsp="http://schemas.microsoft.com/office/drawing/2008/diagram" xmlns:a="http://schemas.openxmlformats.org/drawingml/2006/main" xmlns:pic="http://schemas.openxmlformats.org/drawingml/2006/picture" xmlns:wp="http://schemas.openxmlformats.org/drawingml/2006/wordprocessingDrawing" xmlns:xdr="http://schemas.openxmlformats.org/drawingml/2006/spreadsheetDrawing" xmlns:lc="http://schemas.openxmlformats.org/drawingml/2006/lockedCanvas" xmlns:p="http://schemas.openxmlformats.org/presentationml/2006/main" name="한컴오피스">
   <a:themeElements>

--- a/ppt/Behavior Tree.pptx
+++ b/ppt/Behavior Tree.pptx
@@ -3673,7 +3673,7 @@
                   <a:schemeClr val="dk1"/>
                 </a:solidFill>
               </a:rPr>
-              <a:t>추적</a:t>
+              <a:t>도망</a:t>
             </a:r>
             <a:r>
               <a:rPr lang="en-US" altLang="ko-KR" sz="1700">
@@ -3759,23 +3759,7 @@
                   <a:schemeClr val="dk1"/>
                 </a:solidFill>
               </a:rPr>
-              <a:t>“Move To</a:t>
-            </a:r>
-            <a:r>
-              <a:rPr lang="ko-KR" altLang="en-US" sz="1500">
-                <a:solidFill>
-                  <a:schemeClr val="dk1"/>
-                </a:solidFill>
-              </a:rPr>
-              <a:t> </a:t>
-            </a:r>
-            <a:r>
-              <a:rPr lang="en-US" altLang="ko-KR" sz="1500">
-                <a:solidFill>
-                  <a:schemeClr val="dk1"/>
-                </a:solidFill>
-              </a:rPr>
-              <a:t>Boy”</a:t>
+              <a:t>“flee”</a:t>
             </a:r>
             <a:endParaRPr lang="en-US" altLang="ko-KR" sz="1500">
               <a:solidFill>
@@ -3910,7 +3894,7 @@
                   <a:schemeClr val="dk1"/>
                 </a:solidFill>
               </a:rPr>
-              <a:t>좀비가 소년보다 공이 많은가</a:t>
+              <a:t>좀비가 소년보다 공이적은가</a:t>
             </a:r>
             <a:r>
               <a:rPr lang="en-US" altLang="ko-KR" sz="1500">
@@ -3944,7 +3928,7 @@
         </p:nvSpPr>
         <p:spPr>
           <a:xfrm>
-            <a:off x="6869889" y="4066054"/>
+            <a:off x="5081728" y="4066053"/>
             <a:ext cx="1695223" cy="664942"/>
           </a:xfrm>
           <a:prstGeom prst="rect">
@@ -4012,7 +3996,7 @@
                   <a:schemeClr val="dk1"/>
                 </a:solidFill>
               </a:rPr>
-              <a:t>도망</a:t>
+              <a:t>추적</a:t>
             </a:r>
             <a:r>
               <a:rPr lang="en-US" altLang="ko-KR" sz="1700">
@@ -4038,7 +4022,7 @@
         </p:nvSpPr>
         <p:spPr>
           <a:xfrm>
-            <a:off x="8408697" y="5489649"/>
+            <a:off x="5929339" y="5521282"/>
             <a:ext cx="1695223" cy="664942"/>
           </a:xfrm>
           <a:prstGeom prst="rect">
@@ -4098,7 +4082,7 @@
                   <a:schemeClr val="dk1"/>
                 </a:solidFill>
               </a:rPr>
-              <a:t>“Run away from Boy”</a:t>
+              <a:t>“chase”</a:t>
             </a:r>
             <a:endParaRPr lang="en-US" altLang="ko-KR" sz="1500">
               <a:solidFill>
@@ -4108,44 +4092,6 @@
           </a:p>
         </p:txBody>
       </p:sp>
-      <p:cxnSp>
-        <p:nvCxnSpPr>
-          <p:cNvPr id="17" name="선 16"/>
-          <p:cNvCxnSpPr>
-            <a:stCxn id="15" idx="2"/>
-            <a:endCxn id="19" idx="0"/>
-          </p:cNvCxnSpPr>
-          <p:nvPr/>
-        </p:nvCxnSpPr>
-        <p:spPr>
-          <a:xfrm rot="5400000">
-            <a:off x="7341250" y="4782293"/>
-            <a:ext cx="427547" cy="324953"/>
-          </a:xfrm>
-          <a:prstGeom prst="line">
-            <a:avLst/>
-          </a:prstGeom>
-          <a:ln>
-            <a:solidFill>
-              <a:schemeClr val="dk1"/>
-            </a:solidFill>
-          </a:ln>
-        </p:spPr>
-        <p:style>
-          <a:lnRef idx="1">
-            <a:schemeClr val="accent1"/>
-          </a:lnRef>
-          <a:fillRef idx="0">
-            <a:schemeClr val="accent1"/>
-          </a:fillRef>
-          <a:effectRef idx="0">
-            <a:schemeClr val="accent1"/>
-          </a:effectRef>
-          <a:fontRef idx="minor">
-            <a:schemeClr val="tx1"/>
-          </a:fontRef>
-        </p:style>
-      </p:cxnSp>
       <p:cxnSp>
         <p:nvCxnSpPr>
           <p:cNvPr id="18" name="선 17"/>
@@ -4157,8 +4103,8 @@
         </p:nvCxnSpPr>
         <p:spPr>
           <a:xfrm>
-            <a:off x="7717500" y="4730996"/>
-            <a:ext cx="1538807" cy="758653"/>
+            <a:off x="5929340" y="4730996"/>
+            <a:ext cx="847611" cy="790286"/>
           </a:xfrm>
           <a:prstGeom prst="line">
             <a:avLst/>
@@ -4186,14 +4132,186 @@
       </p:cxnSp>
       <p:sp>
         <p:nvSpPr>
-          <p:cNvPr id="19" name="다이아몬드 18"/>
+          <p:cNvPr id="20" name="직사각형 19"/>
           <p:cNvSpPr/>
           <p:nvPr/>
         </p:nvSpPr>
         <p:spPr>
           <a:xfrm>
-            <a:off x="6464043" y="5158543"/>
-            <a:ext cx="1857008" cy="1327155"/>
+            <a:off x="4869825" y="735012"/>
+            <a:ext cx="2119030" cy="664942"/>
+          </a:xfrm>
+          <a:prstGeom prst="rect">
+            <a:avLst/>
+          </a:prstGeom>
+          <a:noFill/>
+          <a:ln>
+            <a:solidFill>
+              <a:schemeClr val="dk1"/>
+            </a:solidFill>
+          </a:ln>
+        </p:spPr>
+        <p:style>
+          <a:lnRef idx="2">
+            <a:schemeClr val="accent1">
+              <a:shade val="20000"/>
+            </a:schemeClr>
+          </a:lnRef>
+          <a:fillRef idx="1">
+            <a:schemeClr val="accent1"/>
+          </a:fillRef>
+          <a:effectRef idx="0">
+            <a:schemeClr val="accent1"/>
+          </a:effectRef>
+          <a:fontRef idx="minor">
+            <a:schemeClr val="lt1"/>
+          </a:fontRef>
+        </p:style>
+        <p:txBody>
+          <a:bodyPr anchor="ctr"/>
+          <a:lstStyle/>
+          <a:p>
+            <a:pPr lvl="0" algn="ctr">
+              <a:defRPr/>
+            </a:pPr>
+            <a:r>
+              <a:rPr lang="en-US" altLang="ko-KR" sz="1700">
+                <a:solidFill>
+                  <a:schemeClr val="dk1"/>
+                </a:solidFill>
+              </a:rPr>
+              <a:t>Selector</a:t>
+            </a:r>
+            <a:endParaRPr lang="en-US" altLang="ko-KR" sz="1700">
+              <a:solidFill>
+                <a:schemeClr val="dk1"/>
+              </a:solidFill>
+            </a:endParaRPr>
+          </a:p>
+          <a:p>
+            <a:pPr lvl="0" algn="ctr">
+              <a:defRPr/>
+            </a:pPr>
+            <a:r>
+              <a:rPr lang="en-US" altLang="ko-KR" sz="1700">
+                <a:solidFill>
+                  <a:schemeClr val="dk1"/>
+                </a:solidFill>
+              </a:rPr>
+              <a:t>Checking</a:t>
+            </a:r>
+            <a:r>
+              <a:rPr lang="ko-KR" altLang="en-US" sz="1700">
+                <a:solidFill>
+                  <a:schemeClr val="dk1"/>
+                </a:solidFill>
+              </a:rPr>
+              <a:t> </a:t>
+            </a:r>
+            <a:r>
+              <a:rPr lang="en-US" altLang="ko-KR" sz="1700">
+                <a:solidFill>
+                  <a:schemeClr val="dk1"/>
+                </a:solidFill>
+              </a:rPr>
+              <a:t>or Wander</a:t>
+            </a:r>
+            <a:endParaRPr lang="en-US" altLang="ko-KR" sz="1700">
+              <a:solidFill>
+                <a:schemeClr val="dk1"/>
+              </a:solidFill>
+            </a:endParaRPr>
+          </a:p>
+        </p:txBody>
+      </p:sp>
+      <p:sp>
+        <p:nvSpPr>
+          <p:cNvPr id="21" name="직사각형 20"/>
+          <p:cNvSpPr/>
+          <p:nvPr/>
+        </p:nvSpPr>
+        <p:spPr>
+          <a:xfrm>
+            <a:off x="2282306" y="1790851"/>
+            <a:ext cx="2119030" cy="664942"/>
+          </a:xfrm>
+          <a:prstGeom prst="rect">
+            <a:avLst/>
+          </a:prstGeom>
+          <a:noFill/>
+          <a:ln>
+            <a:solidFill>
+              <a:schemeClr val="dk1"/>
+            </a:solidFill>
+          </a:ln>
+        </p:spPr>
+        <p:style>
+          <a:lnRef idx="2">
+            <a:schemeClr val="accent1">
+              <a:shade val="20000"/>
+            </a:schemeClr>
+          </a:lnRef>
+          <a:fillRef idx="1">
+            <a:schemeClr val="accent1"/>
+          </a:fillRef>
+          <a:effectRef idx="0">
+            <a:schemeClr val="accent1"/>
+          </a:effectRef>
+          <a:fontRef idx="minor">
+            <a:schemeClr val="lt1"/>
+          </a:fontRef>
+        </p:style>
+        <p:txBody>
+          <a:bodyPr anchor="ctr"/>
+          <a:lstStyle/>
+          <a:p>
+            <a:pPr lvl="0" algn="ctr">
+              <a:defRPr/>
+            </a:pPr>
+            <a:r>
+              <a:rPr lang="en-US" altLang="ko-KR" sz="1700">
+                <a:solidFill>
+                  <a:schemeClr val="dk1"/>
+                </a:solidFill>
+              </a:rPr>
+              <a:t>Sequence</a:t>
+            </a:r>
+            <a:endParaRPr lang="en-US" altLang="ko-KR" sz="1700">
+              <a:solidFill>
+                <a:schemeClr val="dk1"/>
+              </a:solidFill>
+            </a:endParaRPr>
+          </a:p>
+          <a:p>
+            <a:pPr lvl="0" algn="ctr">
+              <a:defRPr/>
+            </a:pPr>
+            <a:r>
+              <a:rPr lang="en-US" altLang="ko-KR" sz="1700">
+                <a:solidFill>
+                  <a:schemeClr val="dk1"/>
+                </a:solidFill>
+              </a:rPr>
+              <a:t>Checking</a:t>
+            </a:r>
+            <a:endParaRPr lang="en-US" altLang="ko-KR" sz="1700">
+              <a:solidFill>
+                <a:schemeClr val="dk1"/>
+              </a:solidFill>
+            </a:endParaRPr>
+          </a:p>
+        </p:txBody>
+      </p:sp>
+      <p:sp>
+        <p:nvSpPr>
+          <p:cNvPr id="22" name="다이아몬드 21"/>
+          <p:cNvSpPr/>
+          <p:nvPr/>
+        </p:nvSpPr>
+        <p:spPr>
+          <a:xfrm>
+            <a:off x="1175109" y="2702286"/>
+            <a:ext cx="1857007" cy="1453428"/>
           </a:xfrm>
           <a:prstGeom prst="diamond">
             <a:avLst/>
@@ -4234,7 +4352,7 @@
                   <a:schemeClr val="dk1"/>
                 </a:solidFill>
               </a:rPr>
-              <a:t>좀비가 소년보다 공이 적은가</a:t>
+              <a:t>소년이 근처에 있는가</a:t>
             </a:r>
             <a:r>
               <a:rPr lang="en-US" altLang="ko-KR" sz="1500">
@@ -4262,13 +4380,13 @@
       </p:sp>
       <p:sp>
         <p:nvSpPr>
-          <p:cNvPr id="20" name="직사각형 19"/>
+          <p:cNvPr id="23" name="직사각형 22"/>
           <p:cNvSpPr/>
           <p:nvPr/>
         </p:nvSpPr>
         <p:spPr>
           <a:xfrm>
-            <a:off x="4869825" y="735012"/>
+            <a:off x="3810310" y="2764058"/>
             <a:ext cx="2119030" cy="664942"/>
           </a:xfrm>
           <a:prstGeom prst="rect">
@@ -4323,12 +4441,20 @@
               <a:defRPr/>
             </a:pPr>
             <a:r>
+              <a:rPr lang="ko-KR" altLang="en-US" sz="1700">
+                <a:solidFill>
+                  <a:schemeClr val="dk1"/>
+                </a:solidFill>
+              </a:rPr>
+              <a:t>도망 </a:t>
+            </a:r>
+            <a:r>
               <a:rPr lang="en-US" altLang="ko-KR" sz="1700">
                 <a:solidFill>
                   <a:schemeClr val="dk1"/>
                 </a:solidFill>
               </a:rPr>
-              <a:t>Checking</a:t>
+              <a:t>or</a:t>
             </a:r>
             <a:r>
               <a:rPr lang="ko-KR" altLang="en-US" sz="1700">
@@ -4336,263 +4462,7 @@
                   <a:schemeClr val="dk1"/>
                 </a:solidFill>
               </a:rPr>
-              <a:t> </a:t>
-            </a:r>
-            <a:r>
-              <a:rPr lang="en-US" altLang="ko-KR" sz="1700">
-                <a:solidFill>
-                  <a:schemeClr val="dk1"/>
-                </a:solidFill>
-              </a:rPr>
-              <a:t>or Wander</a:t>
-            </a:r>
-            <a:endParaRPr lang="en-US" altLang="ko-KR" sz="1700">
-              <a:solidFill>
-                <a:schemeClr val="dk1"/>
-              </a:solidFill>
-            </a:endParaRPr>
-          </a:p>
-        </p:txBody>
-      </p:sp>
-      <p:sp>
-        <p:nvSpPr>
-          <p:cNvPr id="21" name="직사각형 20"/>
-          <p:cNvSpPr/>
-          <p:nvPr/>
-        </p:nvSpPr>
-        <p:spPr>
-          <a:xfrm>
-            <a:off x="2282306" y="1790851"/>
-            <a:ext cx="2119030" cy="664942"/>
-          </a:xfrm>
-          <a:prstGeom prst="rect">
-            <a:avLst/>
-          </a:prstGeom>
-          <a:noFill/>
-          <a:ln>
-            <a:solidFill>
-              <a:schemeClr val="dk1"/>
-            </a:solidFill>
-          </a:ln>
-        </p:spPr>
-        <p:style>
-          <a:lnRef idx="2">
-            <a:schemeClr val="accent1">
-              <a:shade val="20000"/>
-            </a:schemeClr>
-          </a:lnRef>
-          <a:fillRef idx="1">
-            <a:schemeClr val="accent1"/>
-          </a:fillRef>
-          <a:effectRef idx="0">
-            <a:schemeClr val="accent1"/>
-          </a:effectRef>
-          <a:fontRef idx="minor">
-            <a:schemeClr val="lt1"/>
-          </a:fontRef>
-        </p:style>
-        <p:txBody>
-          <a:bodyPr anchor="ctr"/>
-          <a:lstStyle/>
-          <a:p>
-            <a:pPr lvl="0" algn="ctr">
-              <a:defRPr/>
-            </a:pPr>
-            <a:r>
-              <a:rPr lang="en-US" altLang="ko-KR" sz="1700">
-                <a:solidFill>
-                  <a:schemeClr val="dk1"/>
-                </a:solidFill>
-              </a:rPr>
-              <a:t>Sequence</a:t>
-            </a:r>
-            <a:endParaRPr lang="en-US" altLang="ko-KR" sz="1700">
-              <a:solidFill>
-                <a:schemeClr val="dk1"/>
-              </a:solidFill>
-            </a:endParaRPr>
-          </a:p>
-          <a:p>
-            <a:pPr lvl="0" algn="ctr">
-              <a:defRPr/>
-            </a:pPr>
-            <a:r>
-              <a:rPr lang="en-US" altLang="ko-KR" sz="1700">
-                <a:solidFill>
-                  <a:schemeClr val="dk1"/>
-                </a:solidFill>
-              </a:rPr>
-              <a:t>Checking</a:t>
-            </a:r>
-            <a:endParaRPr lang="en-US" altLang="ko-KR" sz="1700">
-              <a:solidFill>
-                <a:schemeClr val="dk1"/>
-              </a:solidFill>
-            </a:endParaRPr>
-          </a:p>
-        </p:txBody>
-      </p:sp>
-      <p:sp>
-        <p:nvSpPr>
-          <p:cNvPr id="22" name="다이아몬드 21"/>
-          <p:cNvSpPr/>
-          <p:nvPr/>
-        </p:nvSpPr>
-        <p:spPr>
-          <a:xfrm>
-            <a:off x="1175109" y="2702286"/>
-            <a:ext cx="1857007" cy="1453428"/>
-          </a:xfrm>
-          <a:prstGeom prst="diamond">
-            <a:avLst/>
-          </a:prstGeom>
-          <a:noFill/>
-          <a:ln>
-            <a:solidFill>
-              <a:schemeClr val="dk1"/>
-            </a:solidFill>
-          </a:ln>
-        </p:spPr>
-        <p:style>
-          <a:lnRef idx="2">
-            <a:schemeClr val="accent1">
-              <a:shade val="20000"/>
-            </a:schemeClr>
-          </a:lnRef>
-          <a:fillRef idx="1">
-            <a:schemeClr val="accent1"/>
-          </a:fillRef>
-          <a:effectRef idx="0">
-            <a:schemeClr val="accent1"/>
-          </a:effectRef>
-          <a:fontRef idx="minor">
-            <a:schemeClr val="lt1"/>
-          </a:fontRef>
-        </p:style>
-        <p:txBody>
-          <a:bodyPr anchor="ctr"/>
-          <a:lstStyle/>
-          <a:p>
-            <a:pPr lvl="0" algn="ctr">
-              <a:defRPr/>
-            </a:pPr>
-            <a:r>
-              <a:rPr lang="ko-KR" altLang="en-US" sz="1500">
-                <a:solidFill>
-                  <a:schemeClr val="dk1"/>
-                </a:solidFill>
-              </a:rPr>
-              <a:t>소년이 근처에 있는가</a:t>
-            </a:r>
-            <a:r>
-              <a:rPr lang="en-US" altLang="ko-KR" sz="1500">
-                <a:solidFill>
-                  <a:schemeClr val="dk1"/>
-                </a:solidFill>
-              </a:rPr>
-              <a:t>?</a:t>
-            </a:r>
-            <a:r>
-              <a:rPr lang="ko-KR" altLang="en-US" sz="1500">
-                <a:solidFill>
-                  <a:schemeClr val="dk1"/>
-                </a:solidFill>
-              </a:rPr>
-              <a:t> </a:t>
-            </a:r>
-            <a:endParaRPr lang="ko-KR" altLang="en-US" sz="1500">
-              <a:solidFill>
-                <a:schemeClr val="dk1"/>
-              </a:solidFill>
-            </a:endParaRPr>
-          </a:p>
-        </p:txBody>
-      </p:sp>
-      <p:sp>
-        <p:nvSpPr>
-          <p:cNvPr id="23" name="직사각형 22"/>
-          <p:cNvSpPr/>
-          <p:nvPr/>
-        </p:nvSpPr>
-        <p:spPr>
-          <a:xfrm>
-            <a:off x="3810310" y="2764058"/>
-            <a:ext cx="2119030" cy="664942"/>
-          </a:xfrm>
-          <a:prstGeom prst="rect">
-            <a:avLst/>
-          </a:prstGeom>
-          <a:noFill/>
-          <a:ln>
-            <a:solidFill>
-              <a:schemeClr val="dk1"/>
-            </a:solidFill>
-          </a:ln>
-        </p:spPr>
-        <p:style>
-          <a:lnRef idx="2">
-            <a:schemeClr val="accent1">
-              <a:shade val="20000"/>
-            </a:schemeClr>
-          </a:lnRef>
-          <a:fillRef idx="1">
-            <a:schemeClr val="accent1"/>
-          </a:fillRef>
-          <a:effectRef idx="0">
-            <a:schemeClr val="accent1"/>
-          </a:effectRef>
-          <a:fontRef idx="minor">
-            <a:schemeClr val="lt1"/>
-          </a:fontRef>
-        </p:style>
-        <p:txBody>
-          <a:bodyPr anchor="ctr"/>
-          <a:lstStyle/>
-          <a:p>
-            <a:pPr lvl="0" algn="ctr">
-              <a:defRPr/>
-            </a:pPr>
-            <a:r>
-              <a:rPr lang="en-US" altLang="ko-KR" sz="1700">
-                <a:solidFill>
-                  <a:schemeClr val="dk1"/>
-                </a:solidFill>
-              </a:rPr>
-              <a:t>Selector</a:t>
-            </a:r>
-            <a:endParaRPr lang="en-US" altLang="ko-KR" sz="1700">
-              <a:solidFill>
-                <a:schemeClr val="dk1"/>
-              </a:solidFill>
-            </a:endParaRPr>
-          </a:p>
-          <a:p>
-            <a:pPr lvl="0" algn="ctr">
-              <a:defRPr/>
-            </a:pPr>
-            <a:r>
-              <a:rPr lang="ko-KR" altLang="en-US" sz="1700">
-                <a:solidFill>
-                  <a:schemeClr val="dk1"/>
-                </a:solidFill>
-              </a:rPr>
-              <a:t>추적 </a:t>
-            </a:r>
-            <a:r>
-              <a:rPr lang="en-US" altLang="ko-KR" sz="1700">
-                <a:solidFill>
-                  <a:schemeClr val="dk1"/>
-                </a:solidFill>
-              </a:rPr>
-              <a:t>or </a:t>
-            </a:r>
-            <a:r>
-              <a:rPr lang="ko-KR" altLang="en-US" sz="1700">
-                <a:solidFill>
-                  <a:schemeClr val="dk1"/>
-                </a:solidFill>
-              </a:rPr>
-              <a:t>도망</a:t>
+              <a:t> 추적</a:t>
             </a:r>
             <a:endParaRPr lang="ko-KR" altLang="en-US" sz="1700">
               <a:solidFill>
@@ -4728,7 +4598,7 @@
         <p:spPr>
           <a:xfrm rot="10800000">
             <a:off x="4869825" y="3429000"/>
-            <a:ext cx="2847675" cy="637054"/>
+            <a:ext cx="1059515" cy="637054"/>
           </a:xfrm>
           <a:prstGeom prst="line">
             <a:avLst/>
@@ -4905,7 +4775,7 @@
         </p:nvSpPr>
         <p:spPr>
           <a:xfrm>
-            <a:off x="8145308" y="1790851"/>
+            <a:off x="9265637" y="3260838"/>
             <a:ext cx="1420891" cy="693233"/>
           </a:xfrm>
           <a:prstGeom prst="rect">
@@ -4982,7 +4852,7 @@
         </p:nvSpPr>
         <p:spPr>
           <a:xfrm>
-            <a:off x="7717500" y="2950296"/>
+            <a:off x="8637551" y="4490896"/>
             <a:ext cx="1538807" cy="693233"/>
           </a:xfrm>
           <a:prstGeom prst="rect">
@@ -5060,7 +4930,7 @@
         </p:nvSpPr>
         <p:spPr>
           <a:xfrm>
-            <a:off x="9566200" y="2950296"/>
+            <a:off x="6278409" y="3193408"/>
             <a:ext cx="1420891" cy="693233"/>
           </a:xfrm>
           <a:prstGeom prst="rect">
@@ -5122,9 +4992,9 @@
           <p:nvPr/>
         </p:nvCxnSpPr>
         <p:spPr>
-          <a:xfrm rot="5400000">
-            <a:off x="8438224" y="2532765"/>
-            <a:ext cx="466211" cy="368849"/>
+          <a:xfrm rot="10800000" flipV="1">
+            <a:off x="9406955" y="3954071"/>
+            <a:ext cx="569128" cy="536825"/>
           </a:xfrm>
           <a:prstGeom prst="line">
             <a:avLst/>
@@ -5150,44 +5020,6 @@
           </a:fontRef>
         </p:style>
       </p:cxnSp>
-      <p:cxnSp>
-        <p:nvCxnSpPr>
-          <p:cNvPr id="8" name="선 7"/>
-          <p:cNvCxnSpPr>
-            <a:stCxn id="4" idx="2"/>
-            <a:endCxn id="6" idx="0"/>
-          </p:cNvCxnSpPr>
-          <p:nvPr/>
-        </p:nvCxnSpPr>
-        <p:spPr>
-          <a:xfrm>
-            <a:off x="8855754" y="2484084"/>
-            <a:ext cx="1420892" cy="466211"/>
-          </a:xfrm>
-          <a:prstGeom prst="line">
-            <a:avLst/>
-          </a:prstGeom>
-          <a:ln>
-            <a:solidFill>
-              <a:schemeClr val="dk1"/>
-            </a:solidFill>
-          </a:ln>
-        </p:spPr>
-        <p:style>
-          <a:lnRef idx="1">
-            <a:schemeClr val="accent1"/>
-          </a:lnRef>
-          <a:fillRef idx="0">
-            <a:schemeClr val="accent1"/>
-          </a:fillRef>
-          <a:effectRef idx="0">
-            <a:schemeClr val="accent1"/>
-          </a:effectRef>
-          <a:fontRef idx="minor">
-            <a:schemeClr val="tx1"/>
-          </a:fontRef>
-        </p:style>
-      </p:cxnSp>
       <p:sp>
         <p:nvSpPr>
           <p:cNvPr id="9" name="직사각형 8"/>
@@ -5196,7 +5028,7 @@
         </p:nvSpPr>
         <p:spPr>
           <a:xfrm>
-            <a:off x="2940358" y="4066054"/>
+            <a:off x="1529477" y="4066053"/>
             <a:ext cx="1695222" cy="728208"/>
           </a:xfrm>
           <a:prstGeom prst="rect">
@@ -5290,7 +5122,7 @@
         </p:nvSpPr>
         <p:spPr>
           <a:xfrm>
-            <a:off x="3932847" y="5458016"/>
+            <a:off x="2282306" y="5458016"/>
             <a:ext cx="1695222" cy="728208"/>
           </a:xfrm>
           <a:prstGeom prst="rect">
@@ -5387,8 +5219,8 @@
         </p:nvCxnSpPr>
         <p:spPr>
           <a:xfrm rot="10800000" flipV="1">
-            <a:off x="2859465" y="4794262"/>
-            <a:ext cx="928503" cy="460722"/>
+            <a:off x="1236680" y="4794262"/>
+            <a:ext cx="1140408" cy="460722"/>
           </a:xfrm>
           <a:prstGeom prst="line">
             <a:avLst/>
@@ -5425,8 +5257,8 @@
         </p:nvCxnSpPr>
         <p:spPr>
           <a:xfrm>
-            <a:off x="3787969" y="4794262"/>
-            <a:ext cx="992489" cy="663754"/>
+            <a:off x="2377088" y="4794262"/>
+            <a:ext cx="752829" cy="663754"/>
           </a:xfrm>
           <a:prstGeom prst="line">
             <a:avLst/>
@@ -5460,7 +5292,7 @@
         </p:nvSpPr>
         <p:spPr>
           <a:xfrm>
-            <a:off x="1930962" y="5254984"/>
+            <a:off x="308176" y="5254984"/>
             <a:ext cx="1857007" cy="1453428"/>
           </a:xfrm>
           <a:prstGeom prst="diamond">
@@ -5535,7 +5367,7 @@
         </p:nvSpPr>
         <p:spPr>
           <a:xfrm>
-            <a:off x="6096000" y="3980354"/>
+            <a:off x="3612695" y="4097687"/>
             <a:ext cx="1695223" cy="664942"/>
           </a:xfrm>
           <a:prstGeom prst="rect">
@@ -5629,7 +5461,7 @@
         </p:nvSpPr>
         <p:spPr>
           <a:xfrm>
-            <a:off x="7634808" y="5403949"/>
+            <a:off x="4400777" y="5458016"/>
             <a:ext cx="1695223" cy="664942"/>
           </a:xfrm>
           <a:prstGeom prst="rect">
@@ -5701,17 +5533,17 @@
       </p:sp>
       <p:cxnSp>
         <p:nvCxnSpPr>
-          <p:cNvPr id="17" name="선 16"/>
+          <p:cNvPr id="18" name="선 17"/>
           <p:cNvCxnSpPr>
             <a:stCxn id="15" idx="2"/>
-            <a:endCxn id="19" idx="0"/>
+            <a:endCxn id="16" idx="0"/>
           </p:cNvCxnSpPr>
           <p:nvPr/>
         </p:nvCxnSpPr>
         <p:spPr>
-          <a:xfrm rot="5400000">
-            <a:off x="6567361" y="4696593"/>
-            <a:ext cx="427547" cy="324953"/>
+          <a:xfrm>
+            <a:off x="4460307" y="4762629"/>
+            <a:ext cx="788081" cy="695387"/>
           </a:xfrm>
           <a:prstGeom prst="line">
             <a:avLst/>
@@ -5737,23 +5569,21 @@
           </a:fontRef>
         </p:style>
       </p:cxnSp>
-      <p:cxnSp>
-        <p:nvCxnSpPr>
-          <p:cNvPr id="18" name="선 17"/>
-          <p:cNvCxnSpPr>
-            <a:stCxn id="15" idx="2"/>
-            <a:endCxn id="16" idx="0"/>
-          </p:cNvCxnSpPr>
+      <p:sp>
+        <p:nvSpPr>
+          <p:cNvPr id="20" name="직사각형 19"/>
+          <p:cNvSpPr/>
           <p:nvPr/>
-        </p:nvCxnSpPr>
+        </p:nvSpPr>
         <p:spPr>
           <a:xfrm>
-            <a:off x="6943611" y="4645296"/>
-            <a:ext cx="1538807" cy="758653"/>
-          </a:xfrm>
-          <a:prstGeom prst="line">
+            <a:off x="4869825" y="735012"/>
+            <a:ext cx="2119030" cy="664942"/>
+          </a:xfrm>
+          <a:prstGeom prst="rect">
             <a:avLst/>
           </a:prstGeom>
+          <a:noFill/>
           <a:ln>
             <a:solidFill>
               <a:schemeClr val="dk1"/>
@@ -5761,30 +5591,132 @@
           </a:ln>
         </p:spPr>
         <p:style>
-          <a:lnRef idx="1">
-            <a:schemeClr val="accent1"/>
+          <a:lnRef idx="2">
+            <a:schemeClr val="accent1">
+              <a:shade val="20000"/>
+            </a:schemeClr>
           </a:lnRef>
-          <a:fillRef idx="0">
+          <a:fillRef idx="1">
             <a:schemeClr val="accent1"/>
           </a:fillRef>
           <a:effectRef idx="0">
             <a:schemeClr val="accent1"/>
           </a:effectRef>
           <a:fontRef idx="minor">
-            <a:schemeClr val="tx1"/>
+            <a:schemeClr val="lt1"/>
           </a:fontRef>
         </p:style>
-      </p:cxnSp>
-      <p:sp>
-        <p:nvSpPr>
-          <p:cNvPr id="19" name="다이아몬드 18"/>
+        <p:txBody>
+          <a:bodyPr anchor="ctr"/>
+          <a:lstStyle/>
+          <a:p>
+            <a:pPr lvl="0" algn="ctr">
+              <a:defRPr/>
+            </a:pPr>
+            <a:r>
+              <a:rPr lang="en-US" altLang="ko-KR" sz="1700">
+                <a:solidFill>
+                  <a:schemeClr val="dk1"/>
+                </a:solidFill>
+              </a:rPr>
+              <a:t>Selector</a:t>
+            </a:r>
+            <a:endParaRPr lang="en-US" altLang="ko-KR" sz="1700">
+              <a:solidFill>
+                <a:schemeClr val="dk1"/>
+              </a:solidFill>
+            </a:endParaRPr>
+          </a:p>
+        </p:txBody>
+      </p:sp>
+      <p:sp>
+        <p:nvSpPr>
+          <p:cNvPr id="21" name="직사각형 20"/>
           <p:cNvSpPr/>
           <p:nvPr/>
         </p:nvSpPr>
         <p:spPr>
           <a:xfrm>
-            <a:off x="5690154" y="5072843"/>
-            <a:ext cx="1857008" cy="1327155"/>
+            <a:off x="1806884" y="1788266"/>
+            <a:ext cx="2119030" cy="664942"/>
+          </a:xfrm>
+          <a:prstGeom prst="rect">
+            <a:avLst/>
+          </a:prstGeom>
+          <a:noFill/>
+          <a:ln>
+            <a:solidFill>
+              <a:schemeClr val="dk1"/>
+            </a:solidFill>
+          </a:ln>
+        </p:spPr>
+        <p:style>
+          <a:lnRef idx="2">
+            <a:schemeClr val="accent1">
+              <a:shade val="20000"/>
+            </a:schemeClr>
+          </a:lnRef>
+          <a:fillRef idx="1">
+            <a:schemeClr val="accent1"/>
+          </a:fillRef>
+          <a:effectRef idx="0">
+            <a:schemeClr val="accent1"/>
+          </a:effectRef>
+          <a:fontRef idx="minor">
+            <a:schemeClr val="lt1"/>
+          </a:fontRef>
+        </p:style>
+        <p:txBody>
+          <a:bodyPr anchor="ctr"/>
+          <a:lstStyle/>
+          <a:p>
+            <a:pPr lvl="0" algn="ctr">
+              <a:defRPr/>
+            </a:pPr>
+            <a:r>
+              <a:rPr lang="en-US" altLang="ko-KR" sz="1700">
+                <a:solidFill>
+                  <a:schemeClr val="dk1"/>
+                </a:solidFill>
+              </a:rPr>
+              <a:t>Sequence</a:t>
+            </a:r>
+            <a:endParaRPr lang="en-US" altLang="ko-KR" sz="1700">
+              <a:solidFill>
+                <a:schemeClr val="dk1"/>
+              </a:solidFill>
+            </a:endParaRPr>
+          </a:p>
+          <a:p>
+            <a:pPr lvl="0" algn="ctr">
+              <a:defRPr/>
+            </a:pPr>
+            <a:r>
+              <a:rPr lang="en-US" altLang="ko-KR" sz="1700">
+                <a:solidFill>
+                  <a:schemeClr val="dk1"/>
+                </a:solidFill>
+              </a:rPr>
+              <a:t>Checking</a:t>
+            </a:r>
+            <a:endParaRPr lang="en-US" altLang="ko-KR" sz="1700">
+              <a:solidFill>
+                <a:schemeClr val="dk1"/>
+              </a:solidFill>
+            </a:endParaRPr>
+          </a:p>
+        </p:txBody>
+      </p:sp>
+      <p:sp>
+        <p:nvSpPr>
+          <p:cNvPr id="22" name="다이아몬드 21"/>
+          <p:cNvSpPr/>
+          <p:nvPr/>
+        </p:nvSpPr>
+        <p:spPr>
+          <a:xfrm>
+            <a:off x="246605" y="2702286"/>
+            <a:ext cx="1857007" cy="1453428"/>
           </a:xfrm>
           <a:prstGeom prst="diamond">
             <a:avLst/>
@@ -5825,7 +5757,7 @@
                   <a:schemeClr val="dk1"/>
                 </a:solidFill>
               </a:rPr>
-              <a:t>좀비가 소년보다 공이 적은가</a:t>
+              <a:t>소년이 근처에 있는가</a:t>
             </a:r>
             <a:r>
               <a:rPr lang="en-US" altLang="ko-KR" sz="1500">
@@ -5853,13 +5785,13 @@
       </p:sp>
       <p:sp>
         <p:nvSpPr>
-          <p:cNvPr id="20" name="직사각형 19"/>
+          <p:cNvPr id="23" name="직사각형 22"/>
           <p:cNvSpPr/>
           <p:nvPr/>
         </p:nvSpPr>
         <p:spPr>
           <a:xfrm>
-            <a:off x="4869825" y="735012"/>
+            <a:off x="2165183" y="2928367"/>
             <a:ext cx="2119030" cy="664942"/>
           </a:xfrm>
           <a:prstGeom prst="rect">
@@ -5914,254 +5846,6 @@
               <a:defRPr/>
             </a:pPr>
             <a:r>
-              <a:rPr lang="en-US" altLang="ko-KR" sz="1700">
-                <a:solidFill>
-                  <a:schemeClr val="dk1"/>
-                </a:solidFill>
-              </a:rPr>
-              <a:t>Checking</a:t>
-            </a:r>
-            <a:r>
-              <a:rPr lang="ko-KR" altLang="en-US" sz="1700">
-                <a:solidFill>
-                  <a:schemeClr val="dk1"/>
-                </a:solidFill>
-              </a:rPr>
-              <a:t> </a:t>
-            </a:r>
-            <a:r>
-              <a:rPr lang="en-US" altLang="ko-KR" sz="1700">
-                <a:solidFill>
-                  <a:schemeClr val="dk1"/>
-                </a:solidFill>
-              </a:rPr>
-              <a:t>or Wander</a:t>
-            </a:r>
-            <a:endParaRPr lang="en-US" altLang="ko-KR" sz="1700">
-              <a:solidFill>
-                <a:schemeClr val="dk1"/>
-              </a:solidFill>
-            </a:endParaRPr>
-          </a:p>
-        </p:txBody>
-      </p:sp>
-      <p:sp>
-        <p:nvSpPr>
-          <p:cNvPr id="21" name="직사각형 20"/>
-          <p:cNvSpPr/>
-          <p:nvPr/>
-        </p:nvSpPr>
-        <p:spPr>
-          <a:xfrm>
-            <a:off x="2282306" y="1790851"/>
-            <a:ext cx="2119030" cy="664942"/>
-          </a:xfrm>
-          <a:prstGeom prst="rect">
-            <a:avLst/>
-          </a:prstGeom>
-          <a:noFill/>
-          <a:ln>
-            <a:solidFill>
-              <a:schemeClr val="dk1"/>
-            </a:solidFill>
-          </a:ln>
-        </p:spPr>
-        <p:style>
-          <a:lnRef idx="2">
-            <a:schemeClr val="accent1">
-              <a:shade val="20000"/>
-            </a:schemeClr>
-          </a:lnRef>
-          <a:fillRef idx="1">
-            <a:schemeClr val="accent1"/>
-          </a:fillRef>
-          <a:effectRef idx="0">
-            <a:schemeClr val="accent1"/>
-          </a:effectRef>
-          <a:fontRef idx="minor">
-            <a:schemeClr val="lt1"/>
-          </a:fontRef>
-        </p:style>
-        <p:txBody>
-          <a:bodyPr anchor="ctr"/>
-          <a:lstStyle/>
-          <a:p>
-            <a:pPr lvl="0" algn="ctr">
-              <a:defRPr/>
-            </a:pPr>
-            <a:r>
-              <a:rPr lang="en-US" altLang="ko-KR" sz="1700">
-                <a:solidFill>
-                  <a:schemeClr val="dk1"/>
-                </a:solidFill>
-              </a:rPr>
-              <a:t>Sequence</a:t>
-            </a:r>
-            <a:endParaRPr lang="en-US" altLang="ko-KR" sz="1700">
-              <a:solidFill>
-                <a:schemeClr val="dk1"/>
-              </a:solidFill>
-            </a:endParaRPr>
-          </a:p>
-          <a:p>
-            <a:pPr lvl="0" algn="ctr">
-              <a:defRPr/>
-            </a:pPr>
-            <a:r>
-              <a:rPr lang="en-US" altLang="ko-KR" sz="1700">
-                <a:solidFill>
-                  <a:schemeClr val="dk1"/>
-                </a:solidFill>
-              </a:rPr>
-              <a:t>Checking</a:t>
-            </a:r>
-            <a:endParaRPr lang="en-US" altLang="ko-KR" sz="1700">
-              <a:solidFill>
-                <a:schemeClr val="dk1"/>
-              </a:solidFill>
-            </a:endParaRPr>
-          </a:p>
-        </p:txBody>
-      </p:sp>
-      <p:sp>
-        <p:nvSpPr>
-          <p:cNvPr id="22" name="다이아몬드 21"/>
-          <p:cNvSpPr/>
-          <p:nvPr/>
-        </p:nvSpPr>
-        <p:spPr>
-          <a:xfrm>
-            <a:off x="1175109" y="2702286"/>
-            <a:ext cx="1857007" cy="1453428"/>
-          </a:xfrm>
-          <a:prstGeom prst="diamond">
-            <a:avLst/>
-          </a:prstGeom>
-          <a:noFill/>
-          <a:ln>
-            <a:solidFill>
-              <a:schemeClr val="dk1"/>
-            </a:solidFill>
-          </a:ln>
-        </p:spPr>
-        <p:style>
-          <a:lnRef idx="2">
-            <a:schemeClr val="accent1">
-              <a:shade val="20000"/>
-            </a:schemeClr>
-          </a:lnRef>
-          <a:fillRef idx="1">
-            <a:schemeClr val="accent1"/>
-          </a:fillRef>
-          <a:effectRef idx="0">
-            <a:schemeClr val="accent1"/>
-          </a:effectRef>
-          <a:fontRef idx="minor">
-            <a:schemeClr val="lt1"/>
-          </a:fontRef>
-        </p:style>
-        <p:txBody>
-          <a:bodyPr anchor="ctr"/>
-          <a:lstStyle/>
-          <a:p>
-            <a:pPr lvl="0" algn="ctr">
-              <a:defRPr/>
-            </a:pPr>
-            <a:r>
-              <a:rPr lang="ko-KR" altLang="en-US" sz="1500">
-                <a:solidFill>
-                  <a:schemeClr val="dk1"/>
-                </a:solidFill>
-              </a:rPr>
-              <a:t>소년이 근처에 있는가</a:t>
-            </a:r>
-            <a:r>
-              <a:rPr lang="en-US" altLang="ko-KR" sz="1500">
-                <a:solidFill>
-                  <a:schemeClr val="dk1"/>
-                </a:solidFill>
-              </a:rPr>
-              <a:t>?</a:t>
-            </a:r>
-            <a:r>
-              <a:rPr lang="ko-KR" altLang="en-US" sz="1500">
-                <a:solidFill>
-                  <a:schemeClr val="dk1"/>
-                </a:solidFill>
-              </a:rPr>
-              <a:t> </a:t>
-            </a:r>
-            <a:endParaRPr lang="ko-KR" altLang="en-US" sz="1500">
-              <a:solidFill>
-                <a:schemeClr val="dk1"/>
-              </a:solidFill>
-            </a:endParaRPr>
-          </a:p>
-        </p:txBody>
-      </p:sp>
-      <p:sp>
-        <p:nvSpPr>
-          <p:cNvPr id="23" name="직사각형 22"/>
-          <p:cNvSpPr/>
-          <p:nvPr/>
-        </p:nvSpPr>
-        <p:spPr>
-          <a:xfrm>
-            <a:off x="3810310" y="2764058"/>
-            <a:ext cx="2119030" cy="664942"/>
-          </a:xfrm>
-          <a:prstGeom prst="rect">
-            <a:avLst/>
-          </a:prstGeom>
-          <a:noFill/>
-          <a:ln>
-            <a:solidFill>
-              <a:schemeClr val="dk1"/>
-            </a:solidFill>
-          </a:ln>
-        </p:spPr>
-        <p:style>
-          <a:lnRef idx="2">
-            <a:schemeClr val="accent1">
-              <a:shade val="20000"/>
-            </a:schemeClr>
-          </a:lnRef>
-          <a:fillRef idx="1">
-            <a:schemeClr val="accent1"/>
-          </a:fillRef>
-          <a:effectRef idx="0">
-            <a:schemeClr val="accent1"/>
-          </a:effectRef>
-          <a:fontRef idx="minor">
-            <a:schemeClr val="lt1"/>
-          </a:fontRef>
-        </p:style>
-        <p:txBody>
-          <a:bodyPr anchor="ctr"/>
-          <a:lstStyle/>
-          <a:p>
-            <a:pPr lvl="0" algn="ctr">
-              <a:defRPr/>
-            </a:pPr>
-            <a:r>
-              <a:rPr lang="en-US" altLang="ko-KR" sz="1700">
-                <a:solidFill>
-                  <a:schemeClr val="dk1"/>
-                </a:solidFill>
-              </a:rPr>
-              <a:t>Selector</a:t>
-            </a:r>
-            <a:endParaRPr lang="en-US" altLang="ko-KR" sz="1700">
-              <a:solidFill>
-                <a:schemeClr val="dk1"/>
-              </a:solidFill>
-            </a:endParaRPr>
-          </a:p>
-          <a:p>
-            <a:pPr lvl="0" algn="ctr">
-              <a:defRPr/>
-            </a:pPr>
-            <a:r>
               <a:rPr lang="ko-KR" altLang="en-US" sz="1700">
                 <a:solidFill>
                   <a:schemeClr val="dk1"/>
@@ -6204,8 +5888,8 @@
         </p:nvCxnSpPr>
         <p:spPr>
           <a:xfrm flipV="1">
-            <a:off x="2103612" y="2455793"/>
-            <a:ext cx="1238208" cy="246493"/>
+            <a:off x="1175108" y="2453209"/>
+            <a:ext cx="1691290" cy="249077"/>
           </a:xfrm>
           <a:prstGeom prst="line">
             <a:avLst/>
@@ -6241,9 +5925,9 @@
           <p:nvPr/>
         </p:nvCxnSpPr>
         <p:spPr>
-          <a:xfrm rot="10800000">
-            <a:off x="3341821" y="2455793"/>
-            <a:ext cx="1528004" cy="308265"/>
+          <a:xfrm rot="16200000" flipV="1">
+            <a:off x="2807970" y="2511638"/>
+            <a:ext cx="475158" cy="358299"/>
           </a:xfrm>
           <a:prstGeom prst="line">
             <a:avLst/>
@@ -6280,8 +5964,8 @@
         </p:nvCxnSpPr>
         <p:spPr>
           <a:xfrm flipV="1">
-            <a:off x="3787969" y="3429000"/>
-            <a:ext cx="1081855" cy="637054"/>
+            <a:off x="2377088" y="3593309"/>
+            <a:ext cx="847610" cy="472745"/>
           </a:xfrm>
           <a:prstGeom prst="line">
             <a:avLst/>
@@ -6318,8 +6002,8 @@
         </p:nvCxnSpPr>
         <p:spPr>
           <a:xfrm rot="10800000">
-            <a:off x="4869825" y="3429000"/>
-            <a:ext cx="2073786" cy="551354"/>
+            <a:off x="3224699" y="3593309"/>
+            <a:ext cx="1235608" cy="504378"/>
           </a:xfrm>
           <a:prstGeom prst="line">
             <a:avLst/>
@@ -6356,8 +6040,8 @@
         </p:nvCxnSpPr>
         <p:spPr>
           <a:xfrm flipV="1">
-            <a:off x="3341821" y="1399954"/>
-            <a:ext cx="2587519" cy="390897"/>
+            <a:off x="2866399" y="1399954"/>
+            <a:ext cx="3062940" cy="388312"/>
           </a:xfrm>
           <a:prstGeom prst="line">
             <a:avLst/>
@@ -6388,14 +6072,14 @@
           <p:cNvPr id="29" name="선 28"/>
           <p:cNvCxnSpPr>
             <a:stCxn id="20" idx="2"/>
-            <a:endCxn id="4" idx="0"/>
+            <a:endCxn id="40" idx="0"/>
           </p:cNvCxnSpPr>
           <p:nvPr/>
         </p:nvCxnSpPr>
         <p:spPr>
           <a:xfrm>
             <a:off x="5929340" y="1399954"/>
-            <a:ext cx="2926414" cy="390897"/>
+            <a:ext cx="2277807" cy="388312"/>
           </a:xfrm>
           <a:prstGeom prst="line">
             <a:avLst/>
@@ -6429,7 +6113,7 @@
         </p:nvSpPr>
         <p:spPr>
           <a:xfrm>
-            <a:off x="10419743" y="4083541"/>
+            <a:off x="7040658" y="4562660"/>
             <a:ext cx="1420891" cy="693233"/>
           </a:xfrm>
           <a:prstGeom prst="rect">
@@ -6515,82 +6199,6 @@
           </a:p>
         </p:txBody>
       </p:sp>
-      <p:cxnSp>
-        <p:nvCxnSpPr>
-          <p:cNvPr id="32" name="선 31"/>
-          <p:cNvCxnSpPr>
-            <a:stCxn id="6" idx="2"/>
-            <a:endCxn id="34" idx="0"/>
-          </p:cNvCxnSpPr>
-          <p:nvPr/>
-        </p:nvCxnSpPr>
-        <p:spPr>
-          <a:xfrm rot="10800000" flipV="1">
-            <a:off x="9514398" y="3643529"/>
-            <a:ext cx="762249" cy="243577"/>
-          </a:xfrm>
-          <a:prstGeom prst="line">
-            <a:avLst/>
-          </a:prstGeom>
-          <a:ln>
-            <a:solidFill>
-              <a:schemeClr val="dk1"/>
-            </a:solidFill>
-          </a:ln>
-        </p:spPr>
-        <p:style>
-          <a:lnRef idx="1">
-            <a:schemeClr val="accent1"/>
-          </a:lnRef>
-          <a:fillRef idx="0">
-            <a:schemeClr val="accent1"/>
-          </a:fillRef>
-          <a:effectRef idx="0">
-            <a:schemeClr val="accent1"/>
-          </a:effectRef>
-          <a:fontRef idx="minor">
-            <a:schemeClr val="tx1"/>
-          </a:fontRef>
-        </p:style>
-      </p:cxnSp>
-      <p:cxnSp>
-        <p:nvCxnSpPr>
-          <p:cNvPr id="33" name="선 32"/>
-          <p:cNvCxnSpPr>
-            <a:stCxn id="6" idx="2"/>
-            <a:endCxn id="31" idx="0"/>
-          </p:cNvCxnSpPr>
-          <p:nvPr/>
-        </p:nvCxnSpPr>
-        <p:spPr>
-          <a:xfrm>
-            <a:off x="10276646" y="3643529"/>
-            <a:ext cx="853542" cy="440012"/>
-          </a:xfrm>
-          <a:prstGeom prst="line">
-            <a:avLst/>
-          </a:prstGeom>
-          <a:ln>
-            <a:solidFill>
-              <a:schemeClr val="dk1"/>
-            </a:solidFill>
-          </a:ln>
-        </p:spPr>
-        <p:style>
-          <a:lnRef idx="1">
-            <a:schemeClr val="accent1"/>
-          </a:lnRef>
-          <a:fillRef idx="0">
-            <a:schemeClr val="accent1"/>
-          </a:fillRef>
-          <a:effectRef idx="0">
-            <a:schemeClr val="accent1"/>
-          </a:effectRef>
-          <a:fontRef idx="minor">
-            <a:schemeClr val="tx1"/>
-          </a:fontRef>
-        </p:style>
-      </p:cxnSp>
       <p:sp>
         <p:nvSpPr>
           <p:cNvPr id="34" name="다이아몬드 33"/>
@@ -6599,7 +6207,7 @@
         </p:nvSpPr>
         <p:spPr>
           <a:xfrm>
-            <a:off x="8752148" y="3887106"/>
+            <a:off x="5516160" y="4308732"/>
             <a:ext cx="1524498" cy="1137516"/>
           </a:xfrm>
           <a:prstGeom prst="diamond">
@@ -6667,7 +6275,7 @@
         </p:nvSpPr>
         <p:spPr>
           <a:xfrm>
-            <a:off x="10653193" y="2070825"/>
+            <a:off x="10301827" y="4490896"/>
             <a:ext cx="1538807" cy="693233"/>
           </a:xfrm>
           <a:prstGeom prst="rect">
@@ -6727,7 +6335,7 @@
                   <a:schemeClr val="dk1"/>
                 </a:solidFill>
               </a:rPr>
-              <a:t>“wander”</a:t>
+              <a:t>“move to”</a:t>
             </a:r>
             <a:endParaRPr lang="en-US" altLang="ko-KR" sz="1500">
               <a:solidFill>
@@ -6742,14 +6350,226 @@
           <p:cNvPr id="36" name="선 35"/>
           <p:cNvCxnSpPr>
             <a:stCxn id="4" idx="2"/>
-            <a:endCxn id="35" idx="1"/>
+            <a:endCxn id="35" idx="0"/>
           </p:cNvCxnSpPr>
           <p:nvPr/>
         </p:nvCxnSpPr>
         <p:spPr>
+          <a:xfrm>
+            <a:off x="9976083" y="3954071"/>
+            <a:ext cx="1095148" cy="536825"/>
+          </a:xfrm>
+          <a:prstGeom prst="line">
+            <a:avLst/>
+          </a:prstGeom>
+          <a:ln>
+            <a:solidFill>
+              <a:schemeClr val="dk1"/>
+            </a:solidFill>
+          </a:ln>
+        </p:spPr>
+        <p:style>
+          <a:lnRef idx="1">
+            <a:schemeClr val="accent1"/>
+          </a:lnRef>
+          <a:fillRef idx="0">
+            <a:schemeClr val="accent1"/>
+          </a:fillRef>
+          <a:effectRef idx="0">
+            <a:schemeClr val="accent1"/>
+          </a:effectRef>
+          <a:fontRef idx="minor">
+            <a:schemeClr val="tx1"/>
+          </a:fontRef>
+        </p:style>
+      </p:cxnSp>
+      <p:cxnSp>
+        <p:nvCxnSpPr>
+          <p:cNvPr id="37" name="선 36"/>
+          <p:cNvCxnSpPr>
+            <a:stCxn id="34" idx="0"/>
+            <a:endCxn id="6" idx="2"/>
+          </p:cNvCxnSpPr>
+          <p:nvPr/>
+        </p:nvCxnSpPr>
+        <p:spPr>
           <a:xfrm flipV="1">
-            <a:off x="8855754" y="2417441"/>
-            <a:ext cx="1797438" cy="66642"/>
+            <a:off x="6278409" y="3886642"/>
+            <a:ext cx="710445" cy="422090"/>
+          </a:xfrm>
+          <a:prstGeom prst="line">
+            <a:avLst/>
+          </a:prstGeom>
+          <a:ln>
+            <a:solidFill>
+              <a:schemeClr val="dk1"/>
+            </a:solidFill>
+          </a:ln>
+        </p:spPr>
+        <p:style>
+          <a:lnRef idx="1">
+            <a:schemeClr val="accent1"/>
+          </a:lnRef>
+          <a:fillRef idx="0">
+            <a:schemeClr val="accent1"/>
+          </a:fillRef>
+          <a:effectRef idx="0">
+            <a:schemeClr val="accent1"/>
+          </a:effectRef>
+          <a:fontRef idx="minor">
+            <a:schemeClr val="tx1"/>
+          </a:fontRef>
+        </p:style>
+      </p:cxnSp>
+      <p:cxnSp>
+        <p:nvCxnSpPr>
+          <p:cNvPr id="38" name="선 37"/>
+          <p:cNvCxnSpPr>
+            <a:stCxn id="40" idx="2"/>
+            <a:endCxn id="4" idx="0"/>
+          </p:cNvCxnSpPr>
+          <p:nvPr/>
+        </p:nvCxnSpPr>
+        <p:spPr>
+          <a:xfrm>
+            <a:off x="8207146" y="2481500"/>
+            <a:ext cx="1768936" cy="779338"/>
+          </a:xfrm>
+          <a:prstGeom prst="line">
+            <a:avLst/>
+          </a:prstGeom>
+          <a:ln>
+            <a:solidFill>
+              <a:schemeClr val="dk1"/>
+            </a:solidFill>
+          </a:ln>
+        </p:spPr>
+        <p:style>
+          <a:lnRef idx="1">
+            <a:schemeClr val="accent1"/>
+          </a:lnRef>
+          <a:fillRef idx="0">
+            <a:schemeClr val="accent1"/>
+          </a:fillRef>
+          <a:effectRef idx="0">
+            <a:schemeClr val="accent1"/>
+          </a:effectRef>
+          <a:fontRef idx="minor">
+            <a:schemeClr val="tx1"/>
+          </a:fontRef>
+        </p:style>
+      </p:cxnSp>
+      <p:cxnSp>
+        <p:nvCxnSpPr>
+          <p:cNvPr id="39" name="선 38"/>
+          <p:cNvCxnSpPr>
+            <a:stCxn id="6" idx="2"/>
+            <a:endCxn id="31" idx="0"/>
+          </p:cNvCxnSpPr>
+          <p:nvPr/>
+        </p:nvCxnSpPr>
+        <p:spPr>
+          <a:xfrm>
+            <a:off x="6988855" y="3886642"/>
+            <a:ext cx="762249" cy="676018"/>
+          </a:xfrm>
+          <a:prstGeom prst="line">
+            <a:avLst/>
+          </a:prstGeom>
+          <a:ln>
+            <a:solidFill>
+              <a:schemeClr val="dk1"/>
+            </a:solidFill>
+          </a:ln>
+        </p:spPr>
+        <p:style>
+          <a:lnRef idx="1">
+            <a:schemeClr val="accent1"/>
+          </a:lnRef>
+          <a:fillRef idx="0">
+            <a:schemeClr val="accent1"/>
+          </a:fillRef>
+          <a:effectRef idx="0">
+            <a:schemeClr val="accent1"/>
+          </a:effectRef>
+          <a:fontRef idx="minor">
+            <a:schemeClr val="tx1"/>
+          </a:fontRef>
+        </p:style>
+      </p:cxnSp>
+      <p:sp>
+        <p:nvSpPr>
+          <p:cNvPr id="40" name="직사각형 39"/>
+          <p:cNvSpPr/>
+          <p:nvPr/>
+        </p:nvSpPr>
+        <p:spPr>
+          <a:xfrm>
+            <a:off x="7496701" y="1788266"/>
+            <a:ext cx="1420891" cy="693233"/>
+          </a:xfrm>
+          <a:prstGeom prst="rect">
+            <a:avLst/>
+          </a:prstGeom>
+          <a:noFill/>
+          <a:ln>
+            <a:solidFill>
+              <a:schemeClr val="dk1"/>
+            </a:solidFill>
+          </a:ln>
+        </p:spPr>
+        <p:style>
+          <a:lnRef idx="2">
+            <a:schemeClr val="accent1">
+              <a:shade val="20000"/>
+            </a:schemeClr>
+          </a:lnRef>
+          <a:fillRef idx="1">
+            <a:schemeClr val="accent1"/>
+          </a:fillRef>
+          <a:effectRef idx="0">
+            <a:schemeClr val="accent1"/>
+          </a:effectRef>
+          <a:fontRef idx="minor">
+            <a:schemeClr val="lt1"/>
+          </a:fontRef>
+        </p:style>
+        <p:txBody>
+          <a:bodyPr anchor="ctr"/>
+          <a:lstStyle/>
+          <a:p>
+            <a:pPr lvl="0" algn="ctr">
+              <a:defRPr/>
+            </a:pPr>
+            <a:r>
+              <a:rPr lang="en-US" altLang="ko-KR" sz="1500">
+                <a:solidFill>
+                  <a:schemeClr val="dk1"/>
+                </a:solidFill>
+              </a:rPr>
+              <a:t>Selector</a:t>
+            </a:r>
+            <a:endParaRPr lang="en-US" altLang="ko-KR" sz="1500">
+              <a:solidFill>
+                <a:schemeClr val="dk1"/>
+              </a:solidFill>
+            </a:endParaRPr>
+          </a:p>
+        </p:txBody>
+      </p:sp>
+      <p:cxnSp>
+        <p:nvCxnSpPr>
+          <p:cNvPr id="41" name="선 40"/>
+          <p:cNvCxnSpPr>
+            <a:stCxn id="40" idx="2"/>
+            <a:endCxn id="6" idx="0"/>
+          </p:cNvCxnSpPr>
+          <p:nvPr/>
+        </p:nvCxnSpPr>
+        <p:spPr>
+          <a:xfrm rot="10800000" flipV="1">
+            <a:off x="6988855" y="2481500"/>
+            <a:ext cx="1218289" cy="711908"/>
           </a:xfrm>
           <a:prstGeom prst="line">
             <a:avLst/>
